--- a/양식1.pptx
+++ b/양식1.pptx
@@ -209,7 +209,7 @@
           <a:p>
             <a:fld id="{19F13344-D54A-4D86-A5D2-FD81DD084F9F}" type="datetimeFigureOut">
               <a:rPr lang="ko-KR" altLang="en-US" smtClean="0"/>
-              <a:t>2022-03-30</a:t>
+              <a:t>2022-06-15</a:t>
             </a:fld>
             <a:endParaRPr lang="ko-KR" altLang="en-US"/>
           </a:p>
@@ -623,7 +623,7 @@
           <a:p>
             <a:fld id="{22AABA13-C4C2-407F-881C-FF016485D499}" type="datetime1">
               <a:rPr lang="ko-KR" altLang="en-US" smtClean="0"/>
-              <a:t>2022-03-30</a:t>
+              <a:t>2022-06-15</a:t>
             </a:fld>
             <a:endParaRPr lang="ko-KR" altLang="en-US"/>
           </a:p>
@@ -821,7 +821,7 @@
           <a:p>
             <a:fld id="{8AC93597-FD44-4047-B60D-64BFDFC9AB07}" type="datetime1">
               <a:rPr lang="ko-KR" altLang="en-US" smtClean="0"/>
-              <a:t>2022-03-30</a:t>
+              <a:t>2022-06-15</a:t>
             </a:fld>
             <a:endParaRPr lang="ko-KR" altLang="en-US"/>
           </a:p>
@@ -1029,7 +1029,7 @@
           <a:p>
             <a:fld id="{D8E00E24-022F-4624-AA34-8D2AEF725D1C}" type="datetime1">
               <a:rPr lang="ko-KR" altLang="en-US" smtClean="0"/>
-              <a:t>2022-03-30</a:t>
+              <a:t>2022-06-15</a:t>
             </a:fld>
             <a:endParaRPr lang="ko-KR" altLang="en-US"/>
           </a:p>
@@ -1227,7 +1227,7 @@
           <a:p>
             <a:fld id="{912C9545-3AFA-49E2-BC82-B75E4BA824F3}" type="datetime1">
               <a:rPr lang="ko-KR" altLang="en-US" smtClean="0"/>
-              <a:t>2022-03-30</a:t>
+              <a:t>2022-06-15</a:t>
             </a:fld>
             <a:endParaRPr lang="ko-KR" altLang="en-US"/>
           </a:p>
@@ -1502,7 +1502,7 @@
           <a:p>
             <a:fld id="{EC8CC216-051A-4DD0-A620-105A76326424}" type="datetime1">
               <a:rPr lang="ko-KR" altLang="en-US" smtClean="0"/>
-              <a:t>2022-03-30</a:t>
+              <a:t>2022-06-15</a:t>
             </a:fld>
             <a:endParaRPr lang="ko-KR" altLang="en-US"/>
           </a:p>
@@ -1767,7 +1767,7 @@
           <a:p>
             <a:fld id="{1512F9A8-1B10-4C2A-942C-2744240A590B}" type="datetime1">
               <a:rPr lang="ko-KR" altLang="en-US" smtClean="0"/>
-              <a:t>2022-03-30</a:t>
+              <a:t>2022-06-15</a:t>
             </a:fld>
             <a:endParaRPr lang="ko-KR" altLang="en-US"/>
           </a:p>
@@ -2179,7 +2179,7 @@
           <a:p>
             <a:fld id="{0A88B85E-2249-4498-94C2-C222D4624F98}" type="datetime1">
               <a:rPr lang="ko-KR" altLang="en-US" smtClean="0"/>
-              <a:t>2022-03-30</a:t>
+              <a:t>2022-06-15</a:t>
             </a:fld>
             <a:endParaRPr lang="ko-KR" altLang="en-US"/>
           </a:p>
@@ -2320,7 +2320,7 @@
           <a:p>
             <a:fld id="{A1964E3E-3AA3-4898-BCA0-E169713F8536}" type="datetime1">
               <a:rPr lang="ko-KR" altLang="en-US" smtClean="0"/>
-              <a:t>2022-03-30</a:t>
+              <a:t>2022-06-15</a:t>
             </a:fld>
             <a:endParaRPr lang="ko-KR" altLang="en-US"/>
           </a:p>
@@ -2433,7 +2433,7 @@
           <a:p>
             <a:fld id="{9D96AE18-149E-4A5A-A0A1-0CEC34EF8C04}" type="datetime1">
               <a:rPr lang="ko-KR" altLang="en-US" smtClean="0"/>
-              <a:t>2022-03-30</a:t>
+              <a:t>2022-06-15</a:t>
             </a:fld>
             <a:endParaRPr lang="ko-KR" altLang="en-US"/>
           </a:p>
@@ -2744,7 +2744,7 @@
           <a:p>
             <a:fld id="{A5B10253-1DB3-444D-AEEF-3EA2D297323B}" type="datetime1">
               <a:rPr lang="ko-KR" altLang="en-US" smtClean="0"/>
-              <a:t>2022-03-30</a:t>
+              <a:t>2022-06-15</a:t>
             </a:fld>
             <a:endParaRPr lang="ko-KR" altLang="en-US"/>
           </a:p>
@@ -3032,7 +3032,7 @@
           <a:p>
             <a:fld id="{08BDEA48-095C-4FAD-82C6-00E50F2A1619}" type="datetime1">
               <a:rPr lang="ko-KR" altLang="en-US" smtClean="0"/>
-              <a:t>2022-03-30</a:t>
+              <a:t>2022-06-15</a:t>
             </a:fld>
             <a:endParaRPr lang="ko-KR" altLang="en-US"/>
           </a:p>
@@ -3273,7 +3273,7 @@
           <a:p>
             <a:fld id="{3411749E-CD33-477B-B369-C97AB55A631D}" type="datetime1">
               <a:rPr lang="ko-KR" altLang="en-US" smtClean="0"/>
-              <a:t>2022-03-30</a:t>
+              <a:t>2022-06-15</a:t>
             </a:fld>
             <a:endParaRPr lang="ko-KR" altLang="en-US"/>
           </a:p>
@@ -6897,7 +6897,23 @@
       </a:bgFillStyleLst>
     </a:fmtScheme>
   </a:themeElements>
-  <a:objectDefaults/>
+  <a:objectDefaults>
+    <a:txDef>
+      <a:spPr/>
+      <a:bodyPr vert="horz" lIns="91440" tIns="45720" rIns="91440" bIns="45720" rtlCol="0" anchor="ctr">
+        <a:noAutofit/>
+      </a:bodyPr>
+      <a:lstStyle>
+        <a:defPPr algn="l">
+          <a:defRPr sz="5000" b="1" dirty="0">
+            <a:solidFill>
+              <a:schemeClr val="bg1"/>
+            </a:solidFill>
+          </a:defRPr>
+        </a:defPPr>
+      </a:lstStyle>
+    </a:txDef>
+  </a:objectDefaults>
   <a:extraClrSchemeLst/>
   <a:extLst>
     <a:ext uri="{05A4C25C-085E-4340-85A3-A5531E510DB2}">

--- a/양식1.pptx
+++ b/양식1.pptx
@@ -5,7 +5,7 @@
     <p:sldMasterId id="2147483648" r:id="rId1"/>
   </p:sldMasterIdLst>
   <p:notesMasterIdLst>
-    <p:notesMasterId r:id="rId15"/>
+    <p:notesMasterId r:id="rId17"/>
   </p:notesMasterIdLst>
   <p:sldIdLst>
     <p:sldId id="256" r:id="rId2"/>
@@ -21,6 +21,8 @@
     <p:sldId id="266" r:id="rId12"/>
     <p:sldId id="267" r:id="rId13"/>
     <p:sldId id="268" r:id="rId14"/>
+    <p:sldId id="269" r:id="rId15"/>
+    <p:sldId id="270" r:id="rId16"/>
   </p:sldIdLst>
   <p:sldSz cx="12192000" cy="6858000"/>
   <p:notesSz cx="6858000" cy="9144000"/>
@@ -209,7 +211,7 @@
           <a:p>
             <a:fld id="{19F13344-D54A-4D86-A5D2-FD81DD084F9F}" type="datetimeFigureOut">
               <a:rPr lang="ko-KR" altLang="en-US" smtClean="0"/>
-              <a:t>2022-06-15</a:t>
+              <a:t>2022-06-16</a:t>
             </a:fld>
             <a:endParaRPr lang="ko-KR" altLang="en-US"/>
           </a:p>
@@ -623,7 +625,7 @@
           <a:p>
             <a:fld id="{22AABA13-C4C2-407F-881C-FF016485D499}" type="datetime1">
               <a:rPr lang="ko-KR" altLang="en-US" smtClean="0"/>
-              <a:t>2022-06-15</a:t>
+              <a:t>2022-06-16</a:t>
             </a:fld>
             <a:endParaRPr lang="ko-KR" altLang="en-US"/>
           </a:p>
@@ -821,7 +823,7 @@
           <a:p>
             <a:fld id="{8AC93597-FD44-4047-B60D-64BFDFC9AB07}" type="datetime1">
               <a:rPr lang="ko-KR" altLang="en-US" smtClean="0"/>
-              <a:t>2022-06-15</a:t>
+              <a:t>2022-06-16</a:t>
             </a:fld>
             <a:endParaRPr lang="ko-KR" altLang="en-US"/>
           </a:p>
@@ -1029,7 +1031,7 @@
           <a:p>
             <a:fld id="{D8E00E24-022F-4624-AA34-8D2AEF725D1C}" type="datetime1">
               <a:rPr lang="ko-KR" altLang="en-US" smtClean="0"/>
-              <a:t>2022-06-15</a:t>
+              <a:t>2022-06-16</a:t>
             </a:fld>
             <a:endParaRPr lang="ko-KR" altLang="en-US"/>
           </a:p>
@@ -1227,7 +1229,7 @@
           <a:p>
             <a:fld id="{912C9545-3AFA-49E2-BC82-B75E4BA824F3}" type="datetime1">
               <a:rPr lang="ko-KR" altLang="en-US" smtClean="0"/>
-              <a:t>2022-06-15</a:t>
+              <a:t>2022-06-16</a:t>
             </a:fld>
             <a:endParaRPr lang="ko-KR" altLang="en-US"/>
           </a:p>
@@ -1502,7 +1504,7 @@
           <a:p>
             <a:fld id="{EC8CC216-051A-4DD0-A620-105A76326424}" type="datetime1">
               <a:rPr lang="ko-KR" altLang="en-US" smtClean="0"/>
-              <a:t>2022-06-15</a:t>
+              <a:t>2022-06-16</a:t>
             </a:fld>
             <a:endParaRPr lang="ko-KR" altLang="en-US"/>
           </a:p>
@@ -1767,7 +1769,7 @@
           <a:p>
             <a:fld id="{1512F9A8-1B10-4C2A-942C-2744240A590B}" type="datetime1">
               <a:rPr lang="ko-KR" altLang="en-US" smtClean="0"/>
-              <a:t>2022-06-15</a:t>
+              <a:t>2022-06-16</a:t>
             </a:fld>
             <a:endParaRPr lang="ko-KR" altLang="en-US"/>
           </a:p>
@@ -2179,7 +2181,7 @@
           <a:p>
             <a:fld id="{0A88B85E-2249-4498-94C2-C222D4624F98}" type="datetime1">
               <a:rPr lang="ko-KR" altLang="en-US" smtClean="0"/>
-              <a:t>2022-06-15</a:t>
+              <a:t>2022-06-16</a:t>
             </a:fld>
             <a:endParaRPr lang="ko-KR" altLang="en-US"/>
           </a:p>
@@ -2320,7 +2322,7 @@
           <a:p>
             <a:fld id="{A1964E3E-3AA3-4898-BCA0-E169713F8536}" type="datetime1">
               <a:rPr lang="ko-KR" altLang="en-US" smtClean="0"/>
-              <a:t>2022-06-15</a:t>
+              <a:t>2022-06-16</a:t>
             </a:fld>
             <a:endParaRPr lang="ko-KR" altLang="en-US"/>
           </a:p>
@@ -2433,7 +2435,7 @@
           <a:p>
             <a:fld id="{9D96AE18-149E-4A5A-A0A1-0CEC34EF8C04}" type="datetime1">
               <a:rPr lang="ko-KR" altLang="en-US" smtClean="0"/>
-              <a:t>2022-06-15</a:t>
+              <a:t>2022-06-16</a:t>
             </a:fld>
             <a:endParaRPr lang="ko-KR" altLang="en-US"/>
           </a:p>
@@ -2744,7 +2746,7 @@
           <a:p>
             <a:fld id="{A5B10253-1DB3-444D-AEEF-3EA2D297323B}" type="datetime1">
               <a:rPr lang="ko-KR" altLang="en-US" smtClean="0"/>
-              <a:t>2022-06-15</a:t>
+              <a:t>2022-06-16</a:t>
             </a:fld>
             <a:endParaRPr lang="ko-KR" altLang="en-US"/>
           </a:p>
@@ -3032,7 +3034,7 @@
           <a:p>
             <a:fld id="{08BDEA48-095C-4FAD-82C6-00E50F2A1619}" type="datetime1">
               <a:rPr lang="ko-KR" altLang="en-US" smtClean="0"/>
-              <a:t>2022-06-15</a:t>
+              <a:t>2022-06-16</a:t>
             </a:fld>
             <a:endParaRPr lang="ko-KR" altLang="en-US"/>
           </a:p>
@@ -3273,7 +3275,7 @@
           <a:p>
             <a:fld id="{3411749E-CD33-477B-B369-C97AB55A631D}" type="datetime1">
               <a:rPr lang="ko-KR" altLang="en-US" smtClean="0"/>
-              <a:t>2022-06-15</a:t>
+              <a:t>2022-06-16</a:t>
             </a:fld>
             <a:endParaRPr lang="ko-KR" altLang="en-US"/>
           </a:p>
@@ -4795,6 +4797,458 @@
     <p:extLst>
       <p:ext uri="{BB962C8B-B14F-4D97-AF65-F5344CB8AC3E}">
         <p14:creationId xmlns:p14="http://schemas.microsoft.com/office/powerpoint/2010/main" val="3300928280"/>
+      </p:ext>
+    </p:extLst>
+  </p:cSld>
+  <p:clrMapOvr>
+    <a:masterClrMapping/>
+  </p:clrMapOvr>
+</p:sld>
+</file>
+
+<file path=ppt/slides/slide14.xml><?xml version="1.0" encoding="utf-8"?>
+<p:sld xmlns:a="http://schemas.openxmlformats.org/drawingml/2006/main" xmlns:r="http://schemas.openxmlformats.org/officeDocument/2006/relationships" xmlns:p="http://schemas.openxmlformats.org/presentationml/2006/main">
+  <p:cSld>
+    <p:spTree>
+      <p:nvGrpSpPr>
+        <p:cNvPr id="1" name=""/>
+        <p:cNvGrpSpPr/>
+        <p:nvPr/>
+      </p:nvGrpSpPr>
+      <p:grpSpPr>
+        <a:xfrm>
+          <a:off x="0" y="0"/>
+          <a:ext cx="0" cy="0"/>
+          <a:chOff x="0" y="0"/>
+          <a:chExt cx="0" cy="0"/>
+        </a:xfrm>
+      </p:grpSpPr>
+      <p:sp>
+        <p:nvSpPr>
+          <p:cNvPr id="4" name="직사각형">
+            <a:extLst>
+              <a:ext uri="{FF2B5EF4-FFF2-40B4-BE49-F238E27FC236}">
+                <a16:creationId xmlns:a16="http://schemas.microsoft.com/office/drawing/2014/main" id="{E29727B3-DAB0-4A6A-8C1F-B3C1F5A77720}"/>
+              </a:ext>
+            </a:extLst>
+          </p:cNvPr>
+          <p:cNvSpPr/>
+          <p:nvPr/>
+        </p:nvSpPr>
+        <p:spPr>
+          <a:xfrm>
+            <a:off x="0" y="2371767"/>
+            <a:ext cx="12192000" cy="4478138"/>
+          </a:xfrm>
+          <a:prstGeom prst="rect">
+            <a:avLst/>
+          </a:prstGeom>
+          <a:solidFill>
+            <a:srgbClr val="1520FF"/>
+          </a:solidFill>
+          <a:ln>
+            <a:noFill/>
+          </a:ln>
+        </p:spPr>
+        <p:style>
+          <a:lnRef idx="2">
+            <a:schemeClr val="accent1">
+              <a:shade val="50000"/>
+            </a:schemeClr>
+          </a:lnRef>
+          <a:fillRef idx="1">
+            <a:schemeClr val="accent1"/>
+          </a:fillRef>
+          <a:effectRef idx="0">
+            <a:schemeClr val="accent1"/>
+          </a:effectRef>
+          <a:fontRef idx="minor">
+            <a:schemeClr val="lt1"/>
+          </a:fontRef>
+        </p:style>
+        <p:txBody>
+          <a:bodyPr rtlCol="0" anchor="ctr"/>
+          <a:lstStyle/>
+          <a:p>
+            <a:pPr algn="ctr"/>
+            <a:endParaRPr lang="ko-KR" altLang="en-US" dirty="0"/>
+          </a:p>
+        </p:txBody>
+      </p:sp>
+      <p:pic>
+        <p:nvPicPr>
+          <p:cNvPr id="3" name="logo" descr="2조원 파급 효과 내고도 매 맞은 &amp;#39;인천관광공사&amp;#39; - 위키리크스한국">
+            <a:extLst>
+              <a:ext uri="{FF2B5EF4-FFF2-40B4-BE49-F238E27FC236}">
+                <a16:creationId xmlns:a16="http://schemas.microsoft.com/office/drawing/2014/main" id="{E2D33970-FE8B-4A0A-AD13-6F0D6F5FB73A}"/>
+              </a:ext>
+            </a:extLst>
+          </p:cNvPr>
+          <p:cNvPicPr>
+            <a:picLocks noChangeAspect="1" noChangeArrowheads="1"/>
+          </p:cNvPicPr>
+          <p:nvPr/>
+        </p:nvPicPr>
+        <p:blipFill>
+          <a:blip r:embed="rId2">
+            <a:extLst>
+              <a:ext uri="{28A0092B-C50C-407E-A947-70E740481C1C}">
+                <a14:useLocalDpi xmlns:a14="http://schemas.microsoft.com/office/drawing/2010/main" val="0"/>
+              </a:ext>
+            </a:extLst>
+          </a:blip>
+          <a:srcRect/>
+          <a:stretch>
+            <a:fillRect/>
+          </a:stretch>
+        </p:blipFill>
+        <p:spPr bwMode="auto">
+          <a:xfrm>
+            <a:off x="3238499" y="95880"/>
+            <a:ext cx="5715000" cy="2219325"/>
+          </a:xfrm>
+          <a:prstGeom prst="rect">
+            <a:avLst/>
+          </a:prstGeom>
+          <a:noFill/>
+          <a:extLst>
+            <a:ext uri="{909E8E84-426E-40DD-AFC4-6F175D3DCCD1}">
+              <a14:hiddenFill xmlns:a14="http://schemas.microsoft.com/office/drawing/2010/main">
+                <a:solidFill>
+                  <a:srgbClr val="FFFFFF"/>
+                </a:solidFill>
+              </a14:hiddenFill>
+            </a:ext>
+          </a:extLst>
+        </p:spPr>
+      </p:pic>
+      <p:sp>
+        <p:nvSpPr>
+          <p:cNvPr id="2" name="name">
+            <a:extLst>
+              <a:ext uri="{FF2B5EF4-FFF2-40B4-BE49-F238E27FC236}">
+                <a16:creationId xmlns:a16="http://schemas.microsoft.com/office/drawing/2014/main" id="{DD276CAC-41EF-4FEB-9E9F-65510454E4A2}"/>
+              </a:ext>
+            </a:extLst>
+          </p:cNvPr>
+          <p:cNvSpPr>
+            <a:spLocks noGrp="1"/>
+          </p:cNvSpPr>
+          <p:nvPr>
+            <p:ph type="ctrTitle"/>
+          </p:nvPr>
+        </p:nvSpPr>
+        <p:spPr>
+          <a:xfrm>
+            <a:off x="0" y="4024822"/>
+            <a:ext cx="12191997" cy="2387600"/>
+          </a:xfrm>
+        </p:spPr>
+        <p:txBody>
+          <a:bodyPr anchor="ctr">
+            <a:noAutofit/>
+          </a:bodyPr>
+          <a:lstStyle/>
+          <a:p>
+            <a:r>
+              <a:rPr lang="ko-KR" altLang="en-US" sz="16800" b="1" spc="5000" dirty="0">
+                <a:solidFill>
+                  <a:schemeClr val="bg1"/>
+                </a:solidFill>
+              </a:rPr>
+              <a:t>홍길동</a:t>
+            </a:r>
+          </a:p>
+        </p:txBody>
+      </p:sp>
+      <p:sp>
+        <p:nvSpPr>
+          <p:cNvPr id="8" name="pos">
+            <a:extLst>
+              <a:ext uri="{FF2B5EF4-FFF2-40B4-BE49-F238E27FC236}">
+                <a16:creationId xmlns:a16="http://schemas.microsoft.com/office/drawing/2014/main" id="{631BD788-4196-42D9-AA81-6AD559485306}"/>
+              </a:ext>
+            </a:extLst>
+          </p:cNvPr>
+          <p:cNvSpPr txBox="1">
+            <a:spLocks/>
+          </p:cNvSpPr>
+          <p:nvPr/>
+        </p:nvSpPr>
+        <p:spPr>
+          <a:xfrm>
+            <a:off x="0" y="2776616"/>
+            <a:ext cx="12191998" cy="1057153"/>
+          </a:xfrm>
+          <a:prstGeom prst="rect">
+            <a:avLst/>
+          </a:prstGeom>
+        </p:spPr>
+        <p:txBody>
+          <a:bodyPr vert="horz" lIns="91440" tIns="45720" rIns="91440" bIns="45720" rtlCol="0" anchor="ctr">
+            <a:noAutofit/>
+          </a:bodyPr>
+          <a:lstStyle>
+            <a:lvl1pPr algn="ctr" defTabSz="914400" rtl="0" eaLnBrk="1" latinLnBrk="1" hangingPunct="1">
+              <a:lnSpc>
+                <a:spcPct val="90000"/>
+              </a:lnSpc>
+              <a:spcBef>
+                <a:spcPct val="0"/>
+              </a:spcBef>
+              <a:buNone/>
+              <a:defRPr sz="6000" kern="1200">
+                <a:solidFill>
+                  <a:schemeClr val="tx1"/>
+                </a:solidFill>
+                <a:latin typeface="+mj-lt"/>
+                <a:ea typeface="+mj-ea"/>
+                <a:cs typeface="+mj-cs"/>
+              </a:defRPr>
+            </a:lvl1pPr>
+          </a:lstStyle>
+          <a:p>
+            <a:r>
+              <a:rPr lang="ko-KR" altLang="en-US" sz="5000" b="1" dirty="0">
+                <a:solidFill>
+                  <a:schemeClr val="bg1"/>
+                </a:solidFill>
+              </a:rPr>
+              <a:t>기획조정실장</a:t>
+            </a:r>
+          </a:p>
+        </p:txBody>
+      </p:sp>
+    </p:spTree>
+    <p:extLst>
+      <p:ext uri="{BB962C8B-B14F-4D97-AF65-F5344CB8AC3E}">
+        <p14:creationId xmlns:p14="http://schemas.microsoft.com/office/powerpoint/2010/main" val="2249312991"/>
+      </p:ext>
+    </p:extLst>
+  </p:cSld>
+  <p:clrMapOvr>
+    <a:masterClrMapping/>
+  </p:clrMapOvr>
+</p:sld>
+</file>
+
+<file path=ppt/slides/slide15.xml><?xml version="1.0" encoding="utf-8"?>
+<p:sld xmlns:a="http://schemas.openxmlformats.org/drawingml/2006/main" xmlns:r="http://schemas.openxmlformats.org/officeDocument/2006/relationships" xmlns:p="http://schemas.openxmlformats.org/presentationml/2006/main">
+  <p:cSld>
+    <p:spTree>
+      <p:nvGrpSpPr>
+        <p:cNvPr id="1" name=""/>
+        <p:cNvGrpSpPr/>
+        <p:nvPr/>
+      </p:nvGrpSpPr>
+      <p:grpSpPr>
+        <a:xfrm>
+          <a:off x="0" y="0"/>
+          <a:ext cx="0" cy="0"/>
+          <a:chOff x="0" y="0"/>
+          <a:chExt cx="0" cy="0"/>
+        </a:xfrm>
+      </p:grpSpPr>
+      <p:sp>
+        <p:nvSpPr>
+          <p:cNvPr id="4" name="직사각형">
+            <a:extLst>
+              <a:ext uri="{FF2B5EF4-FFF2-40B4-BE49-F238E27FC236}">
+                <a16:creationId xmlns:a16="http://schemas.microsoft.com/office/drawing/2014/main" id="{E29727B3-DAB0-4A6A-8C1F-B3C1F5A77720}"/>
+              </a:ext>
+            </a:extLst>
+          </p:cNvPr>
+          <p:cNvSpPr/>
+          <p:nvPr/>
+        </p:nvSpPr>
+        <p:spPr>
+          <a:xfrm>
+            <a:off x="0" y="2371767"/>
+            <a:ext cx="12192000" cy="4478138"/>
+          </a:xfrm>
+          <a:prstGeom prst="rect">
+            <a:avLst/>
+          </a:prstGeom>
+          <a:solidFill>
+            <a:srgbClr val="1520FF"/>
+          </a:solidFill>
+          <a:ln>
+            <a:noFill/>
+          </a:ln>
+        </p:spPr>
+        <p:style>
+          <a:lnRef idx="2">
+            <a:schemeClr val="accent1">
+              <a:shade val="50000"/>
+            </a:schemeClr>
+          </a:lnRef>
+          <a:fillRef idx="1">
+            <a:schemeClr val="accent1"/>
+          </a:fillRef>
+          <a:effectRef idx="0">
+            <a:schemeClr val="accent1"/>
+          </a:effectRef>
+          <a:fontRef idx="minor">
+            <a:schemeClr val="lt1"/>
+          </a:fontRef>
+        </p:style>
+        <p:txBody>
+          <a:bodyPr rtlCol="0" anchor="ctr"/>
+          <a:lstStyle/>
+          <a:p>
+            <a:pPr algn="ctr"/>
+            <a:endParaRPr lang="ko-KR" altLang="en-US" dirty="0"/>
+          </a:p>
+        </p:txBody>
+      </p:sp>
+      <p:pic>
+        <p:nvPicPr>
+          <p:cNvPr id="3" name="logo" descr="2조원 파급 효과 내고도 매 맞은 &amp;#39;인천관광공사&amp;#39; - 위키리크스한국">
+            <a:extLst>
+              <a:ext uri="{FF2B5EF4-FFF2-40B4-BE49-F238E27FC236}">
+                <a16:creationId xmlns:a16="http://schemas.microsoft.com/office/drawing/2014/main" id="{E2D33970-FE8B-4A0A-AD13-6F0D6F5FB73A}"/>
+              </a:ext>
+            </a:extLst>
+          </p:cNvPr>
+          <p:cNvPicPr>
+            <a:picLocks noChangeAspect="1" noChangeArrowheads="1"/>
+          </p:cNvPicPr>
+          <p:nvPr/>
+        </p:nvPicPr>
+        <p:blipFill>
+          <a:blip r:embed="rId2">
+            <a:extLst>
+              <a:ext uri="{28A0092B-C50C-407E-A947-70E740481C1C}">
+                <a14:useLocalDpi xmlns:a14="http://schemas.microsoft.com/office/drawing/2010/main" val="0"/>
+              </a:ext>
+            </a:extLst>
+          </a:blip>
+          <a:srcRect/>
+          <a:stretch>
+            <a:fillRect/>
+          </a:stretch>
+        </p:blipFill>
+        <p:spPr bwMode="auto">
+          <a:xfrm>
+            <a:off x="3238499" y="95880"/>
+            <a:ext cx="5715000" cy="2219325"/>
+          </a:xfrm>
+          <a:prstGeom prst="rect">
+            <a:avLst/>
+          </a:prstGeom>
+          <a:noFill/>
+          <a:extLst>
+            <a:ext uri="{909E8E84-426E-40DD-AFC4-6F175D3DCCD1}">
+              <a14:hiddenFill xmlns:a14="http://schemas.microsoft.com/office/drawing/2010/main">
+                <a:solidFill>
+                  <a:srgbClr val="FFFFFF"/>
+                </a:solidFill>
+              </a14:hiddenFill>
+            </a:ext>
+          </a:extLst>
+        </p:spPr>
+      </p:pic>
+      <p:sp>
+        <p:nvSpPr>
+          <p:cNvPr id="2" name="name">
+            <a:extLst>
+              <a:ext uri="{FF2B5EF4-FFF2-40B4-BE49-F238E27FC236}">
+                <a16:creationId xmlns:a16="http://schemas.microsoft.com/office/drawing/2014/main" id="{DD276CAC-41EF-4FEB-9E9F-65510454E4A2}"/>
+              </a:ext>
+            </a:extLst>
+          </p:cNvPr>
+          <p:cNvSpPr>
+            <a:spLocks noGrp="1"/>
+          </p:cNvSpPr>
+          <p:nvPr>
+            <p:ph type="ctrTitle"/>
+          </p:nvPr>
+        </p:nvSpPr>
+        <p:spPr>
+          <a:xfrm>
+            <a:off x="0" y="4024822"/>
+            <a:ext cx="12191997" cy="2387600"/>
+          </a:xfrm>
+        </p:spPr>
+        <p:txBody>
+          <a:bodyPr anchor="ctr">
+            <a:noAutofit/>
+          </a:bodyPr>
+          <a:lstStyle/>
+          <a:p>
+            <a:r>
+              <a:rPr lang="ko-KR" altLang="en-US" sz="16800" b="1" spc="5000" dirty="0">
+                <a:solidFill>
+                  <a:schemeClr val="bg1"/>
+                </a:solidFill>
+              </a:rPr>
+              <a:t>홍길동</a:t>
+            </a:r>
+          </a:p>
+        </p:txBody>
+      </p:sp>
+      <p:sp>
+        <p:nvSpPr>
+          <p:cNvPr id="8" name="pos">
+            <a:extLst>
+              <a:ext uri="{FF2B5EF4-FFF2-40B4-BE49-F238E27FC236}">
+                <a16:creationId xmlns:a16="http://schemas.microsoft.com/office/drawing/2014/main" id="{631BD788-4196-42D9-AA81-6AD559485306}"/>
+              </a:ext>
+            </a:extLst>
+          </p:cNvPr>
+          <p:cNvSpPr txBox="1">
+            <a:spLocks/>
+          </p:cNvSpPr>
+          <p:nvPr/>
+        </p:nvSpPr>
+        <p:spPr>
+          <a:xfrm>
+            <a:off x="0" y="2776616"/>
+            <a:ext cx="12191998" cy="1057153"/>
+          </a:xfrm>
+          <a:prstGeom prst="rect">
+            <a:avLst/>
+          </a:prstGeom>
+        </p:spPr>
+        <p:txBody>
+          <a:bodyPr vert="horz" lIns="91440" tIns="45720" rIns="91440" bIns="45720" rtlCol="0" anchor="ctr">
+            <a:noAutofit/>
+          </a:bodyPr>
+          <a:lstStyle>
+            <a:lvl1pPr algn="ctr" defTabSz="914400" rtl="0" eaLnBrk="1" latinLnBrk="1" hangingPunct="1">
+              <a:lnSpc>
+                <a:spcPct val="90000"/>
+              </a:lnSpc>
+              <a:spcBef>
+                <a:spcPct val="0"/>
+              </a:spcBef>
+              <a:buNone/>
+              <a:defRPr sz="6000" kern="1200">
+                <a:solidFill>
+                  <a:schemeClr val="tx1"/>
+                </a:solidFill>
+                <a:latin typeface="+mj-lt"/>
+                <a:ea typeface="+mj-ea"/>
+                <a:cs typeface="+mj-cs"/>
+              </a:defRPr>
+            </a:lvl1pPr>
+          </a:lstStyle>
+          <a:p>
+            <a:r>
+              <a:rPr lang="ko-KR" altLang="en-US" sz="5000" b="1" dirty="0">
+                <a:solidFill>
+                  <a:schemeClr val="bg1"/>
+                </a:solidFill>
+              </a:rPr>
+              <a:t>기획조정실장</a:t>
+            </a:r>
+          </a:p>
+        </p:txBody>
+      </p:sp>
+    </p:spTree>
+    <p:extLst>
+      <p:ext uri="{BB962C8B-B14F-4D97-AF65-F5344CB8AC3E}">
+        <p14:creationId xmlns:p14="http://schemas.microsoft.com/office/powerpoint/2010/main" val="2215460005"/>
       </p:ext>
     </p:extLst>
   </p:cSld>

--- a/양식1.pptx
+++ b/양식1.pptx
@@ -8,21 +8,21 @@
     <p:notesMasterId r:id="rId17"/>
   </p:notesMasterIdLst>
   <p:sldIdLst>
-    <p:sldId id="256" r:id="rId2"/>
-    <p:sldId id="257" r:id="rId3"/>
-    <p:sldId id="258" r:id="rId4"/>
-    <p:sldId id="259" r:id="rId5"/>
-    <p:sldId id="260" r:id="rId6"/>
-    <p:sldId id="261" r:id="rId7"/>
-    <p:sldId id="262" r:id="rId8"/>
-    <p:sldId id="263" r:id="rId9"/>
-    <p:sldId id="264" r:id="rId10"/>
-    <p:sldId id="265" r:id="rId11"/>
-    <p:sldId id="266" r:id="rId12"/>
-    <p:sldId id="267" r:id="rId13"/>
-    <p:sldId id="268" r:id="rId14"/>
-    <p:sldId id="269" r:id="rId15"/>
-    <p:sldId id="270" r:id="rId16"/>
+    <p:sldId id="258" r:id="rId2"/>
+    <p:sldId id="259" r:id="rId3"/>
+    <p:sldId id="260" r:id="rId4"/>
+    <p:sldId id="261" r:id="rId5"/>
+    <p:sldId id="262" r:id="rId6"/>
+    <p:sldId id="263" r:id="rId7"/>
+    <p:sldId id="264" r:id="rId8"/>
+    <p:sldId id="265" r:id="rId9"/>
+    <p:sldId id="266" r:id="rId10"/>
+    <p:sldId id="267" r:id="rId11"/>
+    <p:sldId id="268" r:id="rId12"/>
+    <p:sldId id="269" r:id="rId13"/>
+    <p:sldId id="270" r:id="rId14"/>
+    <p:sldId id="271" r:id="rId15"/>
+    <p:sldId id="272" r:id="rId16"/>
   </p:sldIdLst>
   <p:sldSz cx="12192000" cy="6858000"/>
   <p:notesSz cx="6858000" cy="9144000"/>
@@ -211,7 +211,7 @@
           <a:p>
             <a:fld id="{19F13344-D54A-4D86-A5D2-FD81DD084F9F}" type="datetimeFigureOut">
               <a:rPr lang="ko-KR" altLang="en-US" smtClean="0"/>
-              <a:t>2022-06-16</a:t>
+              <a:t>2022-06-23</a:t>
             </a:fld>
             <a:endParaRPr lang="ko-KR" altLang="en-US"/>
           </a:p>
@@ -625,7 +625,7 @@
           <a:p>
             <a:fld id="{22AABA13-C4C2-407F-881C-FF016485D499}" type="datetime1">
               <a:rPr lang="ko-KR" altLang="en-US" smtClean="0"/>
-              <a:t>2022-06-16</a:t>
+              <a:t>2022-06-23</a:t>
             </a:fld>
             <a:endParaRPr lang="ko-KR" altLang="en-US"/>
           </a:p>
@@ -823,7 +823,7 @@
           <a:p>
             <a:fld id="{8AC93597-FD44-4047-B60D-64BFDFC9AB07}" type="datetime1">
               <a:rPr lang="ko-KR" altLang="en-US" smtClean="0"/>
-              <a:t>2022-06-16</a:t>
+              <a:t>2022-06-23</a:t>
             </a:fld>
             <a:endParaRPr lang="ko-KR" altLang="en-US"/>
           </a:p>
@@ -1031,7 +1031,7 @@
           <a:p>
             <a:fld id="{D8E00E24-022F-4624-AA34-8D2AEF725D1C}" type="datetime1">
               <a:rPr lang="ko-KR" altLang="en-US" smtClean="0"/>
-              <a:t>2022-06-16</a:t>
+              <a:t>2022-06-23</a:t>
             </a:fld>
             <a:endParaRPr lang="ko-KR" altLang="en-US"/>
           </a:p>
@@ -1229,7 +1229,7 @@
           <a:p>
             <a:fld id="{912C9545-3AFA-49E2-BC82-B75E4BA824F3}" type="datetime1">
               <a:rPr lang="ko-KR" altLang="en-US" smtClean="0"/>
-              <a:t>2022-06-16</a:t>
+              <a:t>2022-06-23</a:t>
             </a:fld>
             <a:endParaRPr lang="ko-KR" altLang="en-US"/>
           </a:p>
@@ -1504,7 +1504,7 @@
           <a:p>
             <a:fld id="{EC8CC216-051A-4DD0-A620-105A76326424}" type="datetime1">
               <a:rPr lang="ko-KR" altLang="en-US" smtClean="0"/>
-              <a:t>2022-06-16</a:t>
+              <a:t>2022-06-23</a:t>
             </a:fld>
             <a:endParaRPr lang="ko-KR" altLang="en-US"/>
           </a:p>
@@ -1769,7 +1769,7 @@
           <a:p>
             <a:fld id="{1512F9A8-1B10-4C2A-942C-2744240A590B}" type="datetime1">
               <a:rPr lang="ko-KR" altLang="en-US" smtClean="0"/>
-              <a:t>2022-06-16</a:t>
+              <a:t>2022-06-23</a:t>
             </a:fld>
             <a:endParaRPr lang="ko-KR" altLang="en-US"/>
           </a:p>
@@ -2181,7 +2181,7 @@
           <a:p>
             <a:fld id="{0A88B85E-2249-4498-94C2-C222D4624F98}" type="datetime1">
               <a:rPr lang="ko-KR" altLang="en-US" smtClean="0"/>
-              <a:t>2022-06-16</a:t>
+              <a:t>2022-06-23</a:t>
             </a:fld>
             <a:endParaRPr lang="ko-KR" altLang="en-US"/>
           </a:p>
@@ -2322,7 +2322,7 @@
           <a:p>
             <a:fld id="{A1964E3E-3AA3-4898-BCA0-E169713F8536}" type="datetime1">
               <a:rPr lang="ko-KR" altLang="en-US" smtClean="0"/>
-              <a:t>2022-06-16</a:t>
+              <a:t>2022-06-23</a:t>
             </a:fld>
             <a:endParaRPr lang="ko-KR" altLang="en-US"/>
           </a:p>
@@ -2435,7 +2435,7 @@
           <a:p>
             <a:fld id="{9D96AE18-149E-4A5A-A0A1-0CEC34EF8C04}" type="datetime1">
               <a:rPr lang="ko-KR" altLang="en-US" smtClean="0"/>
-              <a:t>2022-06-16</a:t>
+              <a:t>2022-06-23</a:t>
             </a:fld>
             <a:endParaRPr lang="ko-KR" altLang="en-US"/>
           </a:p>
@@ -2746,7 +2746,7 @@
           <a:p>
             <a:fld id="{A5B10253-1DB3-444D-AEEF-3EA2D297323B}" type="datetime1">
               <a:rPr lang="ko-KR" altLang="en-US" smtClean="0"/>
-              <a:t>2022-06-16</a:t>
+              <a:t>2022-06-23</a:t>
             </a:fld>
             <a:endParaRPr lang="ko-KR" altLang="en-US"/>
           </a:p>
@@ -3034,7 +3034,7 @@
           <a:p>
             <a:fld id="{08BDEA48-095C-4FAD-82C6-00E50F2A1619}" type="datetime1">
               <a:rPr lang="ko-KR" altLang="en-US" smtClean="0"/>
-              <a:t>2022-06-16</a:t>
+              <a:t>2022-06-23</a:t>
             </a:fld>
             <a:endParaRPr lang="ko-KR" altLang="en-US"/>
           </a:p>
@@ -3275,7 +3275,7 @@
           <a:p>
             <a:fld id="{3411749E-CD33-477B-B369-C97AB55A631D}" type="datetime1">
               <a:rPr lang="ko-KR" altLang="en-US" smtClean="0"/>
-              <a:t>2022-06-16</a:t>
+              <a:t>2022-06-23</a:t>
             </a:fld>
             <a:endParaRPr lang="ko-KR" altLang="en-US"/>
           </a:p>
@@ -3745,53 +3745,6 @@
           </a:p>
         </p:txBody>
       </p:sp>
-      <p:pic>
-        <p:nvPicPr>
-          <p:cNvPr id="3" name="logo" descr="2조원 파급 효과 내고도 매 맞은 &amp;#39;인천관광공사&amp;#39; - 위키리크스한국">
-            <a:extLst>
-              <a:ext uri="{FF2B5EF4-FFF2-40B4-BE49-F238E27FC236}">
-                <a16:creationId xmlns:a16="http://schemas.microsoft.com/office/drawing/2014/main" id="{E2D33970-FE8B-4A0A-AD13-6F0D6F5FB73A}"/>
-              </a:ext>
-            </a:extLst>
-          </p:cNvPr>
-          <p:cNvPicPr>
-            <a:picLocks noChangeAspect="1" noChangeArrowheads="1"/>
-          </p:cNvPicPr>
-          <p:nvPr/>
-        </p:nvPicPr>
-        <p:blipFill>
-          <a:blip r:embed="rId2">
-            <a:extLst>
-              <a:ext uri="{28A0092B-C50C-407E-A947-70E740481C1C}">
-                <a14:useLocalDpi xmlns:a14="http://schemas.microsoft.com/office/drawing/2010/main" val="0"/>
-              </a:ext>
-            </a:extLst>
-          </a:blip>
-          <a:srcRect/>
-          <a:stretch>
-            <a:fillRect/>
-          </a:stretch>
-        </p:blipFill>
-        <p:spPr bwMode="auto">
-          <a:xfrm>
-            <a:off x="3238499" y="95880"/>
-            <a:ext cx="5715000" cy="2219325"/>
-          </a:xfrm>
-          <a:prstGeom prst="rect">
-            <a:avLst/>
-          </a:prstGeom>
-          <a:noFill/>
-          <a:extLst>
-            <a:ext uri="{909E8E84-426E-40DD-AFC4-6F175D3DCCD1}">
-              <a14:hiddenFill xmlns:a14="http://schemas.microsoft.com/office/drawing/2010/main">
-                <a:solidFill>
-                  <a:srgbClr val="FFFFFF"/>
-                </a:solidFill>
-              </a14:hiddenFill>
-            </a:ext>
-          </a:extLst>
-        </p:spPr>
-      </p:pic>
       <p:sp>
         <p:nvSpPr>
           <p:cNvPr id="2" name="name">
@@ -3820,6 +3773,7 @@
           </a:bodyPr>
           <a:lstStyle/>
           <a:p>
+            <a:pPr algn="ctr"/>
             <a:r>
               <a:rPr lang="ko-KR" altLang="en-US" sz="16800" b="1" spc="5000" dirty="0">
                 <a:solidFill>
@@ -3889,12 +3843,31 @@
           </a:p>
         </p:txBody>
       </p:sp>
+      <p:pic>
+        <p:nvPicPr>
+          <p:cNvPr id="9" name="Picture 8" descr="image.jpeg"/>
+          <p:cNvPicPr>
+            <a:picLocks noChangeAspect="1"/>
+          </p:cNvPicPr>
+          <p:nvPr/>
+        </p:nvPicPr>
+        <p:blipFill>
+          <a:blip r:embed="rId2"/>
+          <a:stretch>
+            <a:fillRect/>
+          </a:stretch>
+        </p:blipFill>
+        <p:spPr>
+          <a:xfrm>
+            <a:off x="3238499" y="95880"/>
+            <a:ext cx="5715000" cy="2219325"/>
+          </a:xfrm>
+          <a:prstGeom prst="rect">
+            <a:avLst/>
+          </a:prstGeom>
+        </p:spPr>
+      </p:pic>
     </p:spTree>
-    <p:extLst>
-      <p:ext uri="{BB962C8B-B14F-4D97-AF65-F5344CB8AC3E}">
-        <p14:creationId xmlns:p14="http://schemas.microsoft.com/office/powerpoint/2010/main" val="1142651298"/>
-      </p:ext>
-    </p:extLst>
   </p:cSld>
   <p:clrMapOvr>
     <a:masterClrMapping/>
@@ -3971,53 +3944,6 @@
           </a:p>
         </p:txBody>
       </p:sp>
-      <p:pic>
-        <p:nvPicPr>
-          <p:cNvPr id="3" name="logo" descr="2조원 파급 효과 내고도 매 맞은 &amp;#39;인천관광공사&amp;#39; - 위키리크스한국">
-            <a:extLst>
-              <a:ext uri="{FF2B5EF4-FFF2-40B4-BE49-F238E27FC236}">
-                <a16:creationId xmlns:a16="http://schemas.microsoft.com/office/drawing/2014/main" id="{E2D33970-FE8B-4A0A-AD13-6F0D6F5FB73A}"/>
-              </a:ext>
-            </a:extLst>
-          </p:cNvPr>
-          <p:cNvPicPr>
-            <a:picLocks noChangeAspect="1" noChangeArrowheads="1"/>
-          </p:cNvPicPr>
-          <p:nvPr/>
-        </p:nvPicPr>
-        <p:blipFill>
-          <a:blip r:embed="rId2">
-            <a:extLst>
-              <a:ext uri="{28A0092B-C50C-407E-A947-70E740481C1C}">
-                <a14:useLocalDpi xmlns:a14="http://schemas.microsoft.com/office/drawing/2010/main" val="0"/>
-              </a:ext>
-            </a:extLst>
-          </a:blip>
-          <a:srcRect/>
-          <a:stretch>
-            <a:fillRect/>
-          </a:stretch>
-        </p:blipFill>
-        <p:spPr bwMode="auto">
-          <a:xfrm>
-            <a:off x="3238499" y="95880"/>
-            <a:ext cx="5715000" cy="2219325"/>
-          </a:xfrm>
-          <a:prstGeom prst="rect">
-            <a:avLst/>
-          </a:prstGeom>
-          <a:noFill/>
-          <a:extLst>
-            <a:ext uri="{909E8E84-426E-40DD-AFC4-6F175D3DCCD1}">
-              <a14:hiddenFill xmlns:a14="http://schemas.microsoft.com/office/drawing/2010/main">
-                <a:solidFill>
-                  <a:srgbClr val="FFFFFF"/>
-                </a:solidFill>
-              </a14:hiddenFill>
-            </a:ext>
-          </a:extLst>
-        </p:spPr>
-      </p:pic>
       <p:sp>
         <p:nvSpPr>
           <p:cNvPr id="2" name="name">
@@ -4046,6 +3972,7 @@
           </a:bodyPr>
           <a:lstStyle/>
           <a:p>
+            <a:pPr algn="ctr"/>
             <a:r>
               <a:rPr lang="ko-KR" altLang="en-US" sz="16800" b="1" spc="5000" dirty="0">
                 <a:solidFill>
@@ -4115,10 +4042,34 @@
           </a:p>
         </p:txBody>
       </p:sp>
+      <p:pic>
+        <p:nvPicPr>
+          <p:cNvPr id="9" name="Picture 8" descr="image.jpeg"/>
+          <p:cNvPicPr>
+            <a:picLocks noChangeAspect="1"/>
+          </p:cNvPicPr>
+          <p:nvPr/>
+        </p:nvPicPr>
+        <p:blipFill>
+          <a:blip r:embed="rId2"/>
+          <a:stretch>
+            <a:fillRect/>
+          </a:stretch>
+        </p:blipFill>
+        <p:spPr>
+          <a:xfrm>
+            <a:off x="3238499" y="95880"/>
+            <a:ext cx="5715000" cy="2219325"/>
+          </a:xfrm>
+          <a:prstGeom prst="rect">
+            <a:avLst/>
+          </a:prstGeom>
+        </p:spPr>
+      </p:pic>
     </p:spTree>
     <p:extLst>
       <p:ext uri="{BB962C8B-B14F-4D97-AF65-F5344CB8AC3E}">
-        <p14:creationId xmlns:p14="http://schemas.microsoft.com/office/powerpoint/2010/main" val="1884241942"/>
+        <p14:creationId xmlns:p14="http://schemas.microsoft.com/office/powerpoint/2010/main" val="2259382357"/>
       </p:ext>
     </p:extLst>
   </p:cSld>
@@ -4197,53 +4148,6 @@
           </a:p>
         </p:txBody>
       </p:sp>
-      <p:pic>
-        <p:nvPicPr>
-          <p:cNvPr id="3" name="logo" descr="2조원 파급 효과 내고도 매 맞은 &amp;#39;인천관광공사&amp;#39; - 위키리크스한국">
-            <a:extLst>
-              <a:ext uri="{FF2B5EF4-FFF2-40B4-BE49-F238E27FC236}">
-                <a16:creationId xmlns:a16="http://schemas.microsoft.com/office/drawing/2014/main" id="{E2D33970-FE8B-4A0A-AD13-6F0D6F5FB73A}"/>
-              </a:ext>
-            </a:extLst>
-          </p:cNvPr>
-          <p:cNvPicPr>
-            <a:picLocks noChangeAspect="1" noChangeArrowheads="1"/>
-          </p:cNvPicPr>
-          <p:nvPr/>
-        </p:nvPicPr>
-        <p:blipFill>
-          <a:blip r:embed="rId2">
-            <a:extLst>
-              <a:ext uri="{28A0092B-C50C-407E-A947-70E740481C1C}">
-                <a14:useLocalDpi xmlns:a14="http://schemas.microsoft.com/office/drawing/2010/main" val="0"/>
-              </a:ext>
-            </a:extLst>
-          </a:blip>
-          <a:srcRect/>
-          <a:stretch>
-            <a:fillRect/>
-          </a:stretch>
-        </p:blipFill>
-        <p:spPr bwMode="auto">
-          <a:xfrm>
-            <a:off x="3238499" y="95880"/>
-            <a:ext cx="5715000" cy="2219325"/>
-          </a:xfrm>
-          <a:prstGeom prst="rect">
-            <a:avLst/>
-          </a:prstGeom>
-          <a:noFill/>
-          <a:extLst>
-            <a:ext uri="{909E8E84-426E-40DD-AFC4-6F175D3DCCD1}">
-              <a14:hiddenFill xmlns:a14="http://schemas.microsoft.com/office/drawing/2010/main">
-                <a:solidFill>
-                  <a:srgbClr val="FFFFFF"/>
-                </a:solidFill>
-              </a14:hiddenFill>
-            </a:ext>
-          </a:extLst>
-        </p:spPr>
-      </p:pic>
       <p:sp>
         <p:nvSpPr>
           <p:cNvPr id="2" name="name">
@@ -4272,6 +4176,7 @@
           </a:bodyPr>
           <a:lstStyle/>
           <a:p>
+            <a:pPr algn="ctr"/>
             <a:r>
               <a:rPr lang="ko-KR" altLang="en-US" sz="16800" b="1" spc="5000" dirty="0">
                 <a:solidFill>
@@ -4341,10 +4246,34 @@
           </a:p>
         </p:txBody>
       </p:sp>
+      <p:pic>
+        <p:nvPicPr>
+          <p:cNvPr id="9" name="Picture 8" descr="image.jpeg"/>
+          <p:cNvPicPr>
+            <a:picLocks noChangeAspect="1"/>
+          </p:cNvPicPr>
+          <p:nvPr/>
+        </p:nvPicPr>
+        <p:blipFill>
+          <a:blip r:embed="rId2"/>
+          <a:stretch>
+            <a:fillRect/>
+          </a:stretch>
+        </p:blipFill>
+        <p:spPr>
+          <a:xfrm>
+            <a:off x="3238499" y="95880"/>
+            <a:ext cx="5715000" cy="2219325"/>
+          </a:xfrm>
+          <a:prstGeom prst="rect">
+            <a:avLst/>
+          </a:prstGeom>
+        </p:spPr>
+      </p:pic>
     </p:spTree>
     <p:extLst>
       <p:ext uri="{BB962C8B-B14F-4D97-AF65-F5344CB8AC3E}">
-        <p14:creationId xmlns:p14="http://schemas.microsoft.com/office/powerpoint/2010/main" val="3065046218"/>
+        <p14:creationId xmlns:p14="http://schemas.microsoft.com/office/powerpoint/2010/main" val="4250634451"/>
       </p:ext>
     </p:extLst>
   </p:cSld>
@@ -4423,53 +4352,6 @@
           </a:p>
         </p:txBody>
       </p:sp>
-      <p:pic>
-        <p:nvPicPr>
-          <p:cNvPr id="3" name="logo" descr="2조원 파급 효과 내고도 매 맞은 &amp;#39;인천관광공사&amp;#39; - 위키리크스한국">
-            <a:extLst>
-              <a:ext uri="{FF2B5EF4-FFF2-40B4-BE49-F238E27FC236}">
-                <a16:creationId xmlns:a16="http://schemas.microsoft.com/office/drawing/2014/main" id="{E2D33970-FE8B-4A0A-AD13-6F0D6F5FB73A}"/>
-              </a:ext>
-            </a:extLst>
-          </p:cNvPr>
-          <p:cNvPicPr>
-            <a:picLocks noChangeAspect="1" noChangeArrowheads="1"/>
-          </p:cNvPicPr>
-          <p:nvPr/>
-        </p:nvPicPr>
-        <p:blipFill>
-          <a:blip r:embed="rId2">
-            <a:extLst>
-              <a:ext uri="{28A0092B-C50C-407E-A947-70E740481C1C}">
-                <a14:useLocalDpi xmlns:a14="http://schemas.microsoft.com/office/drawing/2010/main" val="0"/>
-              </a:ext>
-            </a:extLst>
-          </a:blip>
-          <a:srcRect/>
-          <a:stretch>
-            <a:fillRect/>
-          </a:stretch>
-        </p:blipFill>
-        <p:spPr bwMode="auto">
-          <a:xfrm>
-            <a:off x="3238499" y="95880"/>
-            <a:ext cx="5715000" cy="2219325"/>
-          </a:xfrm>
-          <a:prstGeom prst="rect">
-            <a:avLst/>
-          </a:prstGeom>
-          <a:noFill/>
-          <a:extLst>
-            <a:ext uri="{909E8E84-426E-40DD-AFC4-6F175D3DCCD1}">
-              <a14:hiddenFill xmlns:a14="http://schemas.microsoft.com/office/drawing/2010/main">
-                <a:solidFill>
-                  <a:srgbClr val="FFFFFF"/>
-                </a:solidFill>
-              </a14:hiddenFill>
-            </a:ext>
-          </a:extLst>
-        </p:spPr>
-      </p:pic>
       <p:sp>
         <p:nvSpPr>
           <p:cNvPr id="2" name="name">
@@ -4498,6 +4380,7 @@
           </a:bodyPr>
           <a:lstStyle/>
           <a:p>
+            <a:pPr algn="ctr"/>
             <a:r>
               <a:rPr lang="ko-KR" altLang="en-US" sz="16800" b="1" spc="5000" dirty="0">
                 <a:solidFill>
@@ -4567,10 +4450,34 @@
           </a:p>
         </p:txBody>
       </p:sp>
+      <p:pic>
+        <p:nvPicPr>
+          <p:cNvPr id="9" name="Picture 8" descr="image.jpeg"/>
+          <p:cNvPicPr>
+            <a:picLocks noChangeAspect="1"/>
+          </p:cNvPicPr>
+          <p:nvPr/>
+        </p:nvPicPr>
+        <p:blipFill>
+          <a:blip r:embed="rId2"/>
+          <a:stretch>
+            <a:fillRect/>
+          </a:stretch>
+        </p:blipFill>
+        <p:spPr>
+          <a:xfrm>
+            <a:off x="3238499" y="95880"/>
+            <a:ext cx="5715000" cy="2219325"/>
+          </a:xfrm>
+          <a:prstGeom prst="rect">
+            <a:avLst/>
+          </a:prstGeom>
+        </p:spPr>
+      </p:pic>
     </p:spTree>
     <p:extLst>
       <p:ext uri="{BB962C8B-B14F-4D97-AF65-F5344CB8AC3E}">
-        <p14:creationId xmlns:p14="http://schemas.microsoft.com/office/powerpoint/2010/main" val="1073636120"/>
+        <p14:creationId xmlns:p14="http://schemas.microsoft.com/office/powerpoint/2010/main" val="3275257662"/>
       </p:ext>
     </p:extLst>
   </p:cSld>
@@ -4649,53 +4556,6 @@
           </a:p>
         </p:txBody>
       </p:sp>
-      <p:pic>
-        <p:nvPicPr>
-          <p:cNvPr id="3" name="logo" descr="2조원 파급 효과 내고도 매 맞은 &amp;#39;인천관광공사&amp;#39; - 위키리크스한국">
-            <a:extLst>
-              <a:ext uri="{FF2B5EF4-FFF2-40B4-BE49-F238E27FC236}">
-                <a16:creationId xmlns:a16="http://schemas.microsoft.com/office/drawing/2014/main" id="{E2D33970-FE8B-4A0A-AD13-6F0D6F5FB73A}"/>
-              </a:ext>
-            </a:extLst>
-          </p:cNvPr>
-          <p:cNvPicPr>
-            <a:picLocks noChangeAspect="1" noChangeArrowheads="1"/>
-          </p:cNvPicPr>
-          <p:nvPr/>
-        </p:nvPicPr>
-        <p:blipFill>
-          <a:blip r:embed="rId2">
-            <a:extLst>
-              <a:ext uri="{28A0092B-C50C-407E-A947-70E740481C1C}">
-                <a14:useLocalDpi xmlns:a14="http://schemas.microsoft.com/office/drawing/2010/main" val="0"/>
-              </a:ext>
-            </a:extLst>
-          </a:blip>
-          <a:srcRect/>
-          <a:stretch>
-            <a:fillRect/>
-          </a:stretch>
-        </p:blipFill>
-        <p:spPr bwMode="auto">
-          <a:xfrm>
-            <a:off x="3238499" y="95880"/>
-            <a:ext cx="5715000" cy="2219325"/>
-          </a:xfrm>
-          <a:prstGeom prst="rect">
-            <a:avLst/>
-          </a:prstGeom>
-          <a:noFill/>
-          <a:extLst>
-            <a:ext uri="{909E8E84-426E-40DD-AFC4-6F175D3DCCD1}">
-              <a14:hiddenFill xmlns:a14="http://schemas.microsoft.com/office/drawing/2010/main">
-                <a:solidFill>
-                  <a:srgbClr val="FFFFFF"/>
-                </a:solidFill>
-              </a14:hiddenFill>
-            </a:ext>
-          </a:extLst>
-        </p:spPr>
-      </p:pic>
       <p:sp>
         <p:nvSpPr>
           <p:cNvPr id="2" name="name">
@@ -4724,6 +4584,7 @@
           </a:bodyPr>
           <a:lstStyle/>
           <a:p>
+            <a:pPr algn="ctr"/>
             <a:r>
               <a:rPr lang="ko-KR" altLang="en-US" sz="16800" b="1" spc="5000" dirty="0">
                 <a:solidFill>
@@ -4793,10 +4654,34 @@
           </a:p>
         </p:txBody>
       </p:sp>
+      <p:pic>
+        <p:nvPicPr>
+          <p:cNvPr id="9" name="Picture 8" descr="image.jpeg"/>
+          <p:cNvPicPr>
+            <a:picLocks noChangeAspect="1"/>
+          </p:cNvPicPr>
+          <p:nvPr/>
+        </p:nvPicPr>
+        <p:blipFill>
+          <a:blip r:embed="rId2"/>
+          <a:stretch>
+            <a:fillRect/>
+          </a:stretch>
+        </p:blipFill>
+        <p:spPr>
+          <a:xfrm>
+            <a:off x="3238499" y="95880"/>
+            <a:ext cx="5715000" cy="2219325"/>
+          </a:xfrm>
+          <a:prstGeom prst="rect">
+            <a:avLst/>
+          </a:prstGeom>
+        </p:spPr>
+      </p:pic>
     </p:spTree>
     <p:extLst>
       <p:ext uri="{BB962C8B-B14F-4D97-AF65-F5344CB8AC3E}">
-        <p14:creationId xmlns:p14="http://schemas.microsoft.com/office/powerpoint/2010/main" val="3300928280"/>
+        <p14:creationId xmlns:p14="http://schemas.microsoft.com/office/powerpoint/2010/main" val="3011487988"/>
       </p:ext>
     </p:extLst>
   </p:cSld>
@@ -4875,53 +4760,6 @@
           </a:p>
         </p:txBody>
       </p:sp>
-      <p:pic>
-        <p:nvPicPr>
-          <p:cNvPr id="3" name="logo" descr="2조원 파급 효과 내고도 매 맞은 &amp;#39;인천관광공사&amp;#39; - 위키리크스한국">
-            <a:extLst>
-              <a:ext uri="{FF2B5EF4-FFF2-40B4-BE49-F238E27FC236}">
-                <a16:creationId xmlns:a16="http://schemas.microsoft.com/office/drawing/2014/main" id="{E2D33970-FE8B-4A0A-AD13-6F0D6F5FB73A}"/>
-              </a:ext>
-            </a:extLst>
-          </p:cNvPr>
-          <p:cNvPicPr>
-            <a:picLocks noChangeAspect="1" noChangeArrowheads="1"/>
-          </p:cNvPicPr>
-          <p:nvPr/>
-        </p:nvPicPr>
-        <p:blipFill>
-          <a:blip r:embed="rId2">
-            <a:extLst>
-              <a:ext uri="{28A0092B-C50C-407E-A947-70E740481C1C}">
-                <a14:useLocalDpi xmlns:a14="http://schemas.microsoft.com/office/drawing/2010/main" val="0"/>
-              </a:ext>
-            </a:extLst>
-          </a:blip>
-          <a:srcRect/>
-          <a:stretch>
-            <a:fillRect/>
-          </a:stretch>
-        </p:blipFill>
-        <p:spPr bwMode="auto">
-          <a:xfrm>
-            <a:off x="3238499" y="95880"/>
-            <a:ext cx="5715000" cy="2219325"/>
-          </a:xfrm>
-          <a:prstGeom prst="rect">
-            <a:avLst/>
-          </a:prstGeom>
-          <a:noFill/>
-          <a:extLst>
-            <a:ext uri="{909E8E84-426E-40DD-AFC4-6F175D3DCCD1}">
-              <a14:hiddenFill xmlns:a14="http://schemas.microsoft.com/office/drawing/2010/main">
-                <a:solidFill>
-                  <a:srgbClr val="FFFFFF"/>
-                </a:solidFill>
-              </a14:hiddenFill>
-            </a:ext>
-          </a:extLst>
-        </p:spPr>
-      </p:pic>
       <p:sp>
         <p:nvSpPr>
           <p:cNvPr id="2" name="name">
@@ -4950,6 +4788,7 @@
           </a:bodyPr>
           <a:lstStyle/>
           <a:p>
+            <a:pPr algn="ctr"/>
             <a:r>
               <a:rPr lang="ko-KR" altLang="en-US" sz="16800" b="1" spc="5000" dirty="0">
                 <a:solidFill>
@@ -5019,10 +4858,34 @@
           </a:p>
         </p:txBody>
       </p:sp>
+      <p:pic>
+        <p:nvPicPr>
+          <p:cNvPr id="9" name="Picture 8" descr="image.jpeg"/>
+          <p:cNvPicPr>
+            <a:picLocks noChangeAspect="1"/>
+          </p:cNvPicPr>
+          <p:nvPr/>
+        </p:nvPicPr>
+        <p:blipFill>
+          <a:blip r:embed="rId2"/>
+          <a:stretch>
+            <a:fillRect/>
+          </a:stretch>
+        </p:blipFill>
+        <p:spPr>
+          <a:xfrm>
+            <a:off x="3238499" y="95880"/>
+            <a:ext cx="5715000" cy="2219325"/>
+          </a:xfrm>
+          <a:prstGeom prst="rect">
+            <a:avLst/>
+          </a:prstGeom>
+        </p:spPr>
+      </p:pic>
     </p:spTree>
     <p:extLst>
       <p:ext uri="{BB962C8B-B14F-4D97-AF65-F5344CB8AC3E}">
-        <p14:creationId xmlns:p14="http://schemas.microsoft.com/office/powerpoint/2010/main" val="2249312991"/>
+        <p14:creationId xmlns:p14="http://schemas.microsoft.com/office/powerpoint/2010/main" val="614396915"/>
       </p:ext>
     </p:extLst>
   </p:cSld>
@@ -5101,53 +4964,6 @@
           </a:p>
         </p:txBody>
       </p:sp>
-      <p:pic>
-        <p:nvPicPr>
-          <p:cNvPr id="3" name="logo" descr="2조원 파급 효과 내고도 매 맞은 &amp;#39;인천관광공사&amp;#39; - 위키리크스한국">
-            <a:extLst>
-              <a:ext uri="{FF2B5EF4-FFF2-40B4-BE49-F238E27FC236}">
-                <a16:creationId xmlns:a16="http://schemas.microsoft.com/office/drawing/2014/main" id="{E2D33970-FE8B-4A0A-AD13-6F0D6F5FB73A}"/>
-              </a:ext>
-            </a:extLst>
-          </p:cNvPr>
-          <p:cNvPicPr>
-            <a:picLocks noChangeAspect="1" noChangeArrowheads="1"/>
-          </p:cNvPicPr>
-          <p:nvPr/>
-        </p:nvPicPr>
-        <p:blipFill>
-          <a:blip r:embed="rId2">
-            <a:extLst>
-              <a:ext uri="{28A0092B-C50C-407E-A947-70E740481C1C}">
-                <a14:useLocalDpi xmlns:a14="http://schemas.microsoft.com/office/drawing/2010/main" val="0"/>
-              </a:ext>
-            </a:extLst>
-          </a:blip>
-          <a:srcRect/>
-          <a:stretch>
-            <a:fillRect/>
-          </a:stretch>
-        </p:blipFill>
-        <p:spPr bwMode="auto">
-          <a:xfrm>
-            <a:off x="3238499" y="95880"/>
-            <a:ext cx="5715000" cy="2219325"/>
-          </a:xfrm>
-          <a:prstGeom prst="rect">
-            <a:avLst/>
-          </a:prstGeom>
-          <a:noFill/>
-          <a:extLst>
-            <a:ext uri="{909E8E84-426E-40DD-AFC4-6F175D3DCCD1}">
-              <a14:hiddenFill xmlns:a14="http://schemas.microsoft.com/office/drawing/2010/main">
-                <a:solidFill>
-                  <a:srgbClr val="FFFFFF"/>
-                </a:solidFill>
-              </a14:hiddenFill>
-            </a:ext>
-          </a:extLst>
-        </p:spPr>
-      </p:pic>
       <p:sp>
         <p:nvSpPr>
           <p:cNvPr id="2" name="name">
@@ -5176,6 +4992,7 @@
           </a:bodyPr>
           <a:lstStyle/>
           <a:p>
+            <a:pPr algn="ctr"/>
             <a:r>
               <a:rPr lang="ko-KR" altLang="en-US" sz="16800" b="1" spc="5000" dirty="0">
                 <a:solidFill>
@@ -5245,10 +5062,34 @@
           </a:p>
         </p:txBody>
       </p:sp>
+      <p:pic>
+        <p:nvPicPr>
+          <p:cNvPr id="9" name="Picture 8" descr="image.jpeg"/>
+          <p:cNvPicPr>
+            <a:picLocks noChangeAspect="1"/>
+          </p:cNvPicPr>
+          <p:nvPr/>
+        </p:nvPicPr>
+        <p:blipFill>
+          <a:blip r:embed="rId2"/>
+          <a:stretch>
+            <a:fillRect/>
+          </a:stretch>
+        </p:blipFill>
+        <p:spPr>
+          <a:xfrm>
+            <a:off x="3238499" y="95880"/>
+            <a:ext cx="5715000" cy="2219325"/>
+          </a:xfrm>
+          <a:prstGeom prst="rect">
+            <a:avLst/>
+          </a:prstGeom>
+        </p:spPr>
+      </p:pic>
     </p:spTree>
     <p:extLst>
       <p:ext uri="{BB962C8B-B14F-4D97-AF65-F5344CB8AC3E}">
-        <p14:creationId xmlns:p14="http://schemas.microsoft.com/office/powerpoint/2010/main" val="2215460005"/>
+        <p14:creationId xmlns:p14="http://schemas.microsoft.com/office/powerpoint/2010/main" val="2929505812"/>
       </p:ext>
     </p:extLst>
   </p:cSld>
@@ -5327,53 +5168,6 @@
           </a:p>
         </p:txBody>
       </p:sp>
-      <p:pic>
-        <p:nvPicPr>
-          <p:cNvPr id="3" name="logo" descr="2조원 파급 효과 내고도 매 맞은 &amp;#39;인천관광공사&amp;#39; - 위키리크스한국">
-            <a:extLst>
-              <a:ext uri="{FF2B5EF4-FFF2-40B4-BE49-F238E27FC236}">
-                <a16:creationId xmlns:a16="http://schemas.microsoft.com/office/drawing/2014/main" id="{E2D33970-FE8B-4A0A-AD13-6F0D6F5FB73A}"/>
-              </a:ext>
-            </a:extLst>
-          </p:cNvPr>
-          <p:cNvPicPr>
-            <a:picLocks noChangeAspect="1" noChangeArrowheads="1"/>
-          </p:cNvPicPr>
-          <p:nvPr/>
-        </p:nvPicPr>
-        <p:blipFill>
-          <a:blip r:embed="rId2">
-            <a:extLst>
-              <a:ext uri="{28A0092B-C50C-407E-A947-70E740481C1C}">
-                <a14:useLocalDpi xmlns:a14="http://schemas.microsoft.com/office/drawing/2010/main" val="0"/>
-              </a:ext>
-            </a:extLst>
-          </a:blip>
-          <a:srcRect/>
-          <a:stretch>
-            <a:fillRect/>
-          </a:stretch>
-        </p:blipFill>
-        <p:spPr bwMode="auto">
-          <a:xfrm>
-            <a:off x="3238499" y="95880"/>
-            <a:ext cx="5715000" cy="2219325"/>
-          </a:xfrm>
-          <a:prstGeom prst="rect">
-            <a:avLst/>
-          </a:prstGeom>
-          <a:noFill/>
-          <a:extLst>
-            <a:ext uri="{909E8E84-426E-40DD-AFC4-6F175D3DCCD1}">
-              <a14:hiddenFill xmlns:a14="http://schemas.microsoft.com/office/drawing/2010/main">
-                <a:solidFill>
-                  <a:srgbClr val="FFFFFF"/>
-                </a:solidFill>
-              </a14:hiddenFill>
-            </a:ext>
-          </a:extLst>
-        </p:spPr>
-      </p:pic>
       <p:sp>
         <p:nvSpPr>
           <p:cNvPr id="2" name="name">
@@ -5402,6 +5196,7 @@
           </a:bodyPr>
           <a:lstStyle/>
           <a:p>
+            <a:pPr algn="ctr"/>
             <a:r>
               <a:rPr lang="ko-KR" altLang="en-US" sz="16800" b="1" spc="5000" dirty="0">
                 <a:solidFill>
@@ -5471,10 +5266,34 @@
           </a:p>
         </p:txBody>
       </p:sp>
+      <p:pic>
+        <p:nvPicPr>
+          <p:cNvPr id="9" name="Picture 8" descr="image.jpeg"/>
+          <p:cNvPicPr>
+            <a:picLocks noChangeAspect="1"/>
+          </p:cNvPicPr>
+          <p:nvPr/>
+        </p:nvPicPr>
+        <p:blipFill>
+          <a:blip r:embed="rId2"/>
+          <a:stretch>
+            <a:fillRect/>
+          </a:stretch>
+        </p:blipFill>
+        <p:spPr>
+          <a:xfrm>
+            <a:off x="3238499" y="95880"/>
+            <a:ext cx="5715000" cy="2219325"/>
+          </a:xfrm>
+          <a:prstGeom prst="rect">
+            <a:avLst/>
+          </a:prstGeom>
+        </p:spPr>
+      </p:pic>
     </p:spTree>
     <p:extLst>
       <p:ext uri="{BB962C8B-B14F-4D97-AF65-F5344CB8AC3E}">
-        <p14:creationId xmlns:p14="http://schemas.microsoft.com/office/powerpoint/2010/main" val="493464421"/>
+        <p14:creationId xmlns:p14="http://schemas.microsoft.com/office/powerpoint/2010/main" val="1040072828"/>
       </p:ext>
     </p:extLst>
   </p:cSld>
@@ -5553,53 +5372,6 @@
           </a:p>
         </p:txBody>
       </p:sp>
-      <p:pic>
-        <p:nvPicPr>
-          <p:cNvPr id="3" name="logo" descr="2조원 파급 효과 내고도 매 맞은 &amp;#39;인천관광공사&amp;#39; - 위키리크스한국">
-            <a:extLst>
-              <a:ext uri="{FF2B5EF4-FFF2-40B4-BE49-F238E27FC236}">
-                <a16:creationId xmlns:a16="http://schemas.microsoft.com/office/drawing/2014/main" id="{E2D33970-FE8B-4A0A-AD13-6F0D6F5FB73A}"/>
-              </a:ext>
-            </a:extLst>
-          </p:cNvPr>
-          <p:cNvPicPr>
-            <a:picLocks noChangeAspect="1" noChangeArrowheads="1"/>
-          </p:cNvPicPr>
-          <p:nvPr/>
-        </p:nvPicPr>
-        <p:blipFill>
-          <a:blip r:embed="rId2">
-            <a:extLst>
-              <a:ext uri="{28A0092B-C50C-407E-A947-70E740481C1C}">
-                <a14:useLocalDpi xmlns:a14="http://schemas.microsoft.com/office/drawing/2010/main" val="0"/>
-              </a:ext>
-            </a:extLst>
-          </a:blip>
-          <a:srcRect/>
-          <a:stretch>
-            <a:fillRect/>
-          </a:stretch>
-        </p:blipFill>
-        <p:spPr bwMode="auto">
-          <a:xfrm>
-            <a:off x="3238499" y="95880"/>
-            <a:ext cx="5715000" cy="2219325"/>
-          </a:xfrm>
-          <a:prstGeom prst="rect">
-            <a:avLst/>
-          </a:prstGeom>
-          <a:noFill/>
-          <a:extLst>
-            <a:ext uri="{909E8E84-426E-40DD-AFC4-6F175D3DCCD1}">
-              <a14:hiddenFill xmlns:a14="http://schemas.microsoft.com/office/drawing/2010/main">
-                <a:solidFill>
-                  <a:srgbClr val="FFFFFF"/>
-                </a:solidFill>
-              </a14:hiddenFill>
-            </a:ext>
-          </a:extLst>
-        </p:spPr>
-      </p:pic>
       <p:sp>
         <p:nvSpPr>
           <p:cNvPr id="2" name="name">
@@ -5628,6 +5400,7 @@
           </a:bodyPr>
           <a:lstStyle/>
           <a:p>
+            <a:pPr algn="ctr"/>
             <a:r>
               <a:rPr lang="ko-KR" altLang="en-US" sz="16800" b="1" spc="5000" dirty="0">
                 <a:solidFill>
@@ -5697,10 +5470,34 @@
           </a:p>
         </p:txBody>
       </p:sp>
+      <p:pic>
+        <p:nvPicPr>
+          <p:cNvPr id="9" name="Picture 8" descr="image.jpeg"/>
+          <p:cNvPicPr>
+            <a:picLocks noChangeAspect="1"/>
+          </p:cNvPicPr>
+          <p:nvPr/>
+        </p:nvPicPr>
+        <p:blipFill>
+          <a:blip r:embed="rId2"/>
+          <a:stretch>
+            <a:fillRect/>
+          </a:stretch>
+        </p:blipFill>
+        <p:spPr>
+          <a:xfrm>
+            <a:off x="3238499" y="95880"/>
+            <a:ext cx="5715000" cy="2219325"/>
+          </a:xfrm>
+          <a:prstGeom prst="rect">
+            <a:avLst/>
+          </a:prstGeom>
+        </p:spPr>
+      </p:pic>
     </p:spTree>
     <p:extLst>
       <p:ext uri="{BB962C8B-B14F-4D97-AF65-F5344CB8AC3E}">
-        <p14:creationId xmlns:p14="http://schemas.microsoft.com/office/powerpoint/2010/main" val="4158011357"/>
+        <p14:creationId xmlns:p14="http://schemas.microsoft.com/office/powerpoint/2010/main" val="4047782208"/>
       </p:ext>
     </p:extLst>
   </p:cSld>
@@ -5779,53 +5576,6 @@
           </a:p>
         </p:txBody>
       </p:sp>
-      <p:pic>
-        <p:nvPicPr>
-          <p:cNvPr id="3" name="logo" descr="2조원 파급 효과 내고도 매 맞은 &amp;#39;인천관광공사&amp;#39; - 위키리크스한국">
-            <a:extLst>
-              <a:ext uri="{FF2B5EF4-FFF2-40B4-BE49-F238E27FC236}">
-                <a16:creationId xmlns:a16="http://schemas.microsoft.com/office/drawing/2014/main" id="{E2D33970-FE8B-4A0A-AD13-6F0D6F5FB73A}"/>
-              </a:ext>
-            </a:extLst>
-          </p:cNvPr>
-          <p:cNvPicPr>
-            <a:picLocks noChangeAspect="1" noChangeArrowheads="1"/>
-          </p:cNvPicPr>
-          <p:nvPr/>
-        </p:nvPicPr>
-        <p:blipFill>
-          <a:blip r:embed="rId2">
-            <a:extLst>
-              <a:ext uri="{28A0092B-C50C-407E-A947-70E740481C1C}">
-                <a14:useLocalDpi xmlns:a14="http://schemas.microsoft.com/office/drawing/2010/main" val="0"/>
-              </a:ext>
-            </a:extLst>
-          </a:blip>
-          <a:srcRect/>
-          <a:stretch>
-            <a:fillRect/>
-          </a:stretch>
-        </p:blipFill>
-        <p:spPr bwMode="auto">
-          <a:xfrm>
-            <a:off x="3238499" y="95880"/>
-            <a:ext cx="5715000" cy="2219325"/>
-          </a:xfrm>
-          <a:prstGeom prst="rect">
-            <a:avLst/>
-          </a:prstGeom>
-          <a:noFill/>
-          <a:extLst>
-            <a:ext uri="{909E8E84-426E-40DD-AFC4-6F175D3DCCD1}">
-              <a14:hiddenFill xmlns:a14="http://schemas.microsoft.com/office/drawing/2010/main">
-                <a:solidFill>
-                  <a:srgbClr val="FFFFFF"/>
-                </a:solidFill>
-              </a14:hiddenFill>
-            </a:ext>
-          </a:extLst>
-        </p:spPr>
-      </p:pic>
       <p:sp>
         <p:nvSpPr>
           <p:cNvPr id="2" name="name">
@@ -5854,6 +5604,7 @@
           </a:bodyPr>
           <a:lstStyle/>
           <a:p>
+            <a:pPr algn="ctr"/>
             <a:r>
               <a:rPr lang="ko-KR" altLang="en-US" sz="16800" b="1" spc="5000" dirty="0">
                 <a:solidFill>
@@ -5923,10 +5674,34 @@
           </a:p>
         </p:txBody>
       </p:sp>
+      <p:pic>
+        <p:nvPicPr>
+          <p:cNvPr id="9" name="Picture 8" descr="image.jpeg"/>
+          <p:cNvPicPr>
+            <a:picLocks noChangeAspect="1"/>
+          </p:cNvPicPr>
+          <p:nvPr/>
+        </p:nvPicPr>
+        <p:blipFill>
+          <a:blip r:embed="rId2"/>
+          <a:stretch>
+            <a:fillRect/>
+          </a:stretch>
+        </p:blipFill>
+        <p:spPr>
+          <a:xfrm>
+            <a:off x="3238499" y="95880"/>
+            <a:ext cx="5715000" cy="2219325"/>
+          </a:xfrm>
+          <a:prstGeom prst="rect">
+            <a:avLst/>
+          </a:prstGeom>
+        </p:spPr>
+      </p:pic>
     </p:spTree>
     <p:extLst>
       <p:ext uri="{BB962C8B-B14F-4D97-AF65-F5344CB8AC3E}">
-        <p14:creationId xmlns:p14="http://schemas.microsoft.com/office/powerpoint/2010/main" val="2580959340"/>
+        <p14:creationId xmlns:p14="http://schemas.microsoft.com/office/powerpoint/2010/main" val="2492986513"/>
       </p:ext>
     </p:extLst>
   </p:cSld>
@@ -6005,53 +5780,6 @@
           </a:p>
         </p:txBody>
       </p:sp>
-      <p:pic>
-        <p:nvPicPr>
-          <p:cNvPr id="3" name="logo" descr="2조원 파급 효과 내고도 매 맞은 &amp;#39;인천관광공사&amp;#39; - 위키리크스한국">
-            <a:extLst>
-              <a:ext uri="{FF2B5EF4-FFF2-40B4-BE49-F238E27FC236}">
-                <a16:creationId xmlns:a16="http://schemas.microsoft.com/office/drawing/2014/main" id="{E2D33970-FE8B-4A0A-AD13-6F0D6F5FB73A}"/>
-              </a:ext>
-            </a:extLst>
-          </p:cNvPr>
-          <p:cNvPicPr>
-            <a:picLocks noChangeAspect="1" noChangeArrowheads="1"/>
-          </p:cNvPicPr>
-          <p:nvPr/>
-        </p:nvPicPr>
-        <p:blipFill>
-          <a:blip r:embed="rId2">
-            <a:extLst>
-              <a:ext uri="{28A0092B-C50C-407E-A947-70E740481C1C}">
-                <a14:useLocalDpi xmlns:a14="http://schemas.microsoft.com/office/drawing/2010/main" val="0"/>
-              </a:ext>
-            </a:extLst>
-          </a:blip>
-          <a:srcRect/>
-          <a:stretch>
-            <a:fillRect/>
-          </a:stretch>
-        </p:blipFill>
-        <p:spPr bwMode="auto">
-          <a:xfrm>
-            <a:off x="3238499" y="95880"/>
-            <a:ext cx="5715000" cy="2219325"/>
-          </a:xfrm>
-          <a:prstGeom prst="rect">
-            <a:avLst/>
-          </a:prstGeom>
-          <a:noFill/>
-          <a:extLst>
-            <a:ext uri="{909E8E84-426E-40DD-AFC4-6F175D3DCCD1}">
-              <a14:hiddenFill xmlns:a14="http://schemas.microsoft.com/office/drawing/2010/main">
-                <a:solidFill>
-                  <a:srgbClr val="FFFFFF"/>
-                </a:solidFill>
-              </a14:hiddenFill>
-            </a:ext>
-          </a:extLst>
-        </p:spPr>
-      </p:pic>
       <p:sp>
         <p:nvSpPr>
           <p:cNvPr id="2" name="name">
@@ -6080,6 +5808,7 @@
           </a:bodyPr>
           <a:lstStyle/>
           <a:p>
+            <a:pPr algn="ctr"/>
             <a:r>
               <a:rPr lang="ko-KR" altLang="en-US" sz="16800" b="1" spc="5000" dirty="0">
                 <a:solidFill>
@@ -6149,10 +5878,34 @@
           </a:p>
         </p:txBody>
       </p:sp>
+      <p:pic>
+        <p:nvPicPr>
+          <p:cNvPr id="9" name="Picture 8" descr="image.jpeg"/>
+          <p:cNvPicPr>
+            <a:picLocks noChangeAspect="1"/>
+          </p:cNvPicPr>
+          <p:nvPr/>
+        </p:nvPicPr>
+        <p:blipFill>
+          <a:blip r:embed="rId2"/>
+          <a:stretch>
+            <a:fillRect/>
+          </a:stretch>
+        </p:blipFill>
+        <p:spPr>
+          <a:xfrm>
+            <a:off x="3238499" y="95880"/>
+            <a:ext cx="5715000" cy="2219325"/>
+          </a:xfrm>
+          <a:prstGeom prst="rect">
+            <a:avLst/>
+          </a:prstGeom>
+        </p:spPr>
+      </p:pic>
     </p:spTree>
     <p:extLst>
       <p:ext uri="{BB962C8B-B14F-4D97-AF65-F5344CB8AC3E}">
-        <p14:creationId xmlns:p14="http://schemas.microsoft.com/office/powerpoint/2010/main" val="2278874990"/>
+        <p14:creationId xmlns:p14="http://schemas.microsoft.com/office/powerpoint/2010/main" val="1162837149"/>
       </p:ext>
     </p:extLst>
   </p:cSld>
@@ -6231,53 +5984,6 @@
           </a:p>
         </p:txBody>
       </p:sp>
-      <p:pic>
-        <p:nvPicPr>
-          <p:cNvPr id="3" name="logo" descr="2조원 파급 효과 내고도 매 맞은 &amp;#39;인천관광공사&amp;#39; - 위키리크스한국">
-            <a:extLst>
-              <a:ext uri="{FF2B5EF4-FFF2-40B4-BE49-F238E27FC236}">
-                <a16:creationId xmlns:a16="http://schemas.microsoft.com/office/drawing/2014/main" id="{E2D33970-FE8B-4A0A-AD13-6F0D6F5FB73A}"/>
-              </a:ext>
-            </a:extLst>
-          </p:cNvPr>
-          <p:cNvPicPr>
-            <a:picLocks noChangeAspect="1" noChangeArrowheads="1"/>
-          </p:cNvPicPr>
-          <p:nvPr/>
-        </p:nvPicPr>
-        <p:blipFill>
-          <a:blip r:embed="rId2">
-            <a:extLst>
-              <a:ext uri="{28A0092B-C50C-407E-A947-70E740481C1C}">
-                <a14:useLocalDpi xmlns:a14="http://schemas.microsoft.com/office/drawing/2010/main" val="0"/>
-              </a:ext>
-            </a:extLst>
-          </a:blip>
-          <a:srcRect/>
-          <a:stretch>
-            <a:fillRect/>
-          </a:stretch>
-        </p:blipFill>
-        <p:spPr bwMode="auto">
-          <a:xfrm>
-            <a:off x="3238499" y="95880"/>
-            <a:ext cx="5715000" cy="2219325"/>
-          </a:xfrm>
-          <a:prstGeom prst="rect">
-            <a:avLst/>
-          </a:prstGeom>
-          <a:noFill/>
-          <a:extLst>
-            <a:ext uri="{909E8E84-426E-40DD-AFC4-6F175D3DCCD1}">
-              <a14:hiddenFill xmlns:a14="http://schemas.microsoft.com/office/drawing/2010/main">
-                <a:solidFill>
-                  <a:srgbClr val="FFFFFF"/>
-                </a:solidFill>
-              </a14:hiddenFill>
-            </a:ext>
-          </a:extLst>
-        </p:spPr>
-      </p:pic>
       <p:sp>
         <p:nvSpPr>
           <p:cNvPr id="2" name="name">
@@ -6306,6 +6012,7 @@
           </a:bodyPr>
           <a:lstStyle/>
           <a:p>
+            <a:pPr algn="ctr"/>
             <a:r>
               <a:rPr lang="ko-KR" altLang="en-US" sz="16800" b="1" spc="5000" dirty="0">
                 <a:solidFill>
@@ -6375,10 +6082,34 @@
           </a:p>
         </p:txBody>
       </p:sp>
+      <p:pic>
+        <p:nvPicPr>
+          <p:cNvPr id="9" name="Picture 8" descr="image.jpeg"/>
+          <p:cNvPicPr>
+            <a:picLocks noChangeAspect="1"/>
+          </p:cNvPicPr>
+          <p:nvPr/>
+        </p:nvPicPr>
+        <p:blipFill>
+          <a:blip r:embed="rId2"/>
+          <a:stretch>
+            <a:fillRect/>
+          </a:stretch>
+        </p:blipFill>
+        <p:spPr>
+          <a:xfrm>
+            <a:off x="3238499" y="95880"/>
+            <a:ext cx="5715000" cy="2219325"/>
+          </a:xfrm>
+          <a:prstGeom prst="rect">
+            <a:avLst/>
+          </a:prstGeom>
+        </p:spPr>
+      </p:pic>
     </p:spTree>
     <p:extLst>
       <p:ext uri="{BB962C8B-B14F-4D97-AF65-F5344CB8AC3E}">
-        <p14:creationId xmlns:p14="http://schemas.microsoft.com/office/powerpoint/2010/main" val="1875801021"/>
+        <p14:creationId xmlns:p14="http://schemas.microsoft.com/office/powerpoint/2010/main" val="1815710346"/>
       </p:ext>
     </p:extLst>
   </p:cSld>
@@ -6457,53 +6188,6 @@
           </a:p>
         </p:txBody>
       </p:sp>
-      <p:pic>
-        <p:nvPicPr>
-          <p:cNvPr id="3" name="logo" descr="2조원 파급 효과 내고도 매 맞은 &amp;#39;인천관광공사&amp;#39; - 위키리크스한국">
-            <a:extLst>
-              <a:ext uri="{FF2B5EF4-FFF2-40B4-BE49-F238E27FC236}">
-                <a16:creationId xmlns:a16="http://schemas.microsoft.com/office/drawing/2014/main" id="{E2D33970-FE8B-4A0A-AD13-6F0D6F5FB73A}"/>
-              </a:ext>
-            </a:extLst>
-          </p:cNvPr>
-          <p:cNvPicPr>
-            <a:picLocks noChangeAspect="1" noChangeArrowheads="1"/>
-          </p:cNvPicPr>
-          <p:nvPr/>
-        </p:nvPicPr>
-        <p:blipFill>
-          <a:blip r:embed="rId2">
-            <a:extLst>
-              <a:ext uri="{28A0092B-C50C-407E-A947-70E740481C1C}">
-                <a14:useLocalDpi xmlns:a14="http://schemas.microsoft.com/office/drawing/2010/main" val="0"/>
-              </a:ext>
-            </a:extLst>
-          </a:blip>
-          <a:srcRect/>
-          <a:stretch>
-            <a:fillRect/>
-          </a:stretch>
-        </p:blipFill>
-        <p:spPr bwMode="auto">
-          <a:xfrm>
-            <a:off x="3238499" y="95880"/>
-            <a:ext cx="5715000" cy="2219325"/>
-          </a:xfrm>
-          <a:prstGeom prst="rect">
-            <a:avLst/>
-          </a:prstGeom>
-          <a:noFill/>
-          <a:extLst>
-            <a:ext uri="{909E8E84-426E-40DD-AFC4-6F175D3DCCD1}">
-              <a14:hiddenFill xmlns:a14="http://schemas.microsoft.com/office/drawing/2010/main">
-                <a:solidFill>
-                  <a:srgbClr val="FFFFFF"/>
-                </a:solidFill>
-              </a14:hiddenFill>
-            </a:ext>
-          </a:extLst>
-        </p:spPr>
-      </p:pic>
       <p:sp>
         <p:nvSpPr>
           <p:cNvPr id="2" name="name">
@@ -6532,6 +6216,7 @@
           </a:bodyPr>
           <a:lstStyle/>
           <a:p>
+            <a:pPr algn="ctr"/>
             <a:r>
               <a:rPr lang="ko-KR" altLang="en-US" sz="16800" b="1" spc="5000" dirty="0">
                 <a:solidFill>
@@ -6601,10 +6286,34 @@
           </a:p>
         </p:txBody>
       </p:sp>
+      <p:pic>
+        <p:nvPicPr>
+          <p:cNvPr id="9" name="Picture 8" descr="image.jpeg"/>
+          <p:cNvPicPr>
+            <a:picLocks noChangeAspect="1"/>
+          </p:cNvPicPr>
+          <p:nvPr/>
+        </p:nvPicPr>
+        <p:blipFill>
+          <a:blip r:embed="rId2"/>
+          <a:stretch>
+            <a:fillRect/>
+          </a:stretch>
+        </p:blipFill>
+        <p:spPr>
+          <a:xfrm>
+            <a:off x="3238499" y="95880"/>
+            <a:ext cx="5715000" cy="2219325"/>
+          </a:xfrm>
+          <a:prstGeom prst="rect">
+            <a:avLst/>
+          </a:prstGeom>
+        </p:spPr>
+      </p:pic>
     </p:spTree>
     <p:extLst>
       <p:ext uri="{BB962C8B-B14F-4D97-AF65-F5344CB8AC3E}">
-        <p14:creationId xmlns:p14="http://schemas.microsoft.com/office/powerpoint/2010/main" val="1478025612"/>
+        <p14:creationId xmlns:p14="http://schemas.microsoft.com/office/powerpoint/2010/main" val="2150988003"/>
       </p:ext>
     </p:extLst>
   </p:cSld>
@@ -6683,53 +6392,6 @@
           </a:p>
         </p:txBody>
       </p:sp>
-      <p:pic>
-        <p:nvPicPr>
-          <p:cNvPr id="3" name="logo" descr="2조원 파급 효과 내고도 매 맞은 &amp;#39;인천관광공사&amp;#39; - 위키리크스한국">
-            <a:extLst>
-              <a:ext uri="{FF2B5EF4-FFF2-40B4-BE49-F238E27FC236}">
-                <a16:creationId xmlns:a16="http://schemas.microsoft.com/office/drawing/2014/main" id="{E2D33970-FE8B-4A0A-AD13-6F0D6F5FB73A}"/>
-              </a:ext>
-            </a:extLst>
-          </p:cNvPr>
-          <p:cNvPicPr>
-            <a:picLocks noChangeAspect="1" noChangeArrowheads="1"/>
-          </p:cNvPicPr>
-          <p:nvPr/>
-        </p:nvPicPr>
-        <p:blipFill>
-          <a:blip r:embed="rId2">
-            <a:extLst>
-              <a:ext uri="{28A0092B-C50C-407E-A947-70E740481C1C}">
-                <a14:useLocalDpi xmlns:a14="http://schemas.microsoft.com/office/drawing/2010/main" val="0"/>
-              </a:ext>
-            </a:extLst>
-          </a:blip>
-          <a:srcRect/>
-          <a:stretch>
-            <a:fillRect/>
-          </a:stretch>
-        </p:blipFill>
-        <p:spPr bwMode="auto">
-          <a:xfrm>
-            <a:off x="3238499" y="95880"/>
-            <a:ext cx="5715000" cy="2219325"/>
-          </a:xfrm>
-          <a:prstGeom prst="rect">
-            <a:avLst/>
-          </a:prstGeom>
-          <a:noFill/>
-          <a:extLst>
-            <a:ext uri="{909E8E84-426E-40DD-AFC4-6F175D3DCCD1}">
-              <a14:hiddenFill xmlns:a14="http://schemas.microsoft.com/office/drawing/2010/main">
-                <a:solidFill>
-                  <a:srgbClr val="FFFFFF"/>
-                </a:solidFill>
-              </a14:hiddenFill>
-            </a:ext>
-          </a:extLst>
-        </p:spPr>
-      </p:pic>
       <p:sp>
         <p:nvSpPr>
           <p:cNvPr id="2" name="name">
@@ -6758,6 +6420,7 @@
           </a:bodyPr>
           <a:lstStyle/>
           <a:p>
+            <a:pPr algn="ctr"/>
             <a:r>
               <a:rPr lang="ko-KR" altLang="en-US" sz="16800" b="1" spc="5000" dirty="0">
                 <a:solidFill>
@@ -6827,10 +6490,34 @@
           </a:p>
         </p:txBody>
       </p:sp>
+      <p:pic>
+        <p:nvPicPr>
+          <p:cNvPr id="9" name="Picture 8" descr="image.jpeg"/>
+          <p:cNvPicPr>
+            <a:picLocks noChangeAspect="1"/>
+          </p:cNvPicPr>
+          <p:nvPr/>
+        </p:nvPicPr>
+        <p:blipFill>
+          <a:blip r:embed="rId2"/>
+          <a:stretch>
+            <a:fillRect/>
+          </a:stretch>
+        </p:blipFill>
+        <p:spPr>
+          <a:xfrm>
+            <a:off x="3238499" y="95880"/>
+            <a:ext cx="5715000" cy="2219325"/>
+          </a:xfrm>
+          <a:prstGeom prst="rect">
+            <a:avLst/>
+          </a:prstGeom>
+        </p:spPr>
+      </p:pic>
     </p:spTree>
     <p:extLst>
       <p:ext uri="{BB962C8B-B14F-4D97-AF65-F5344CB8AC3E}">
-        <p14:creationId xmlns:p14="http://schemas.microsoft.com/office/powerpoint/2010/main" val="1525684669"/>
+        <p14:creationId xmlns:p14="http://schemas.microsoft.com/office/powerpoint/2010/main" val="3928323673"/>
       </p:ext>
     </p:extLst>
   </p:cSld>
@@ -6909,53 +6596,6 @@
           </a:p>
         </p:txBody>
       </p:sp>
-      <p:pic>
-        <p:nvPicPr>
-          <p:cNvPr id="3" name="logo" descr="2조원 파급 효과 내고도 매 맞은 &amp;#39;인천관광공사&amp;#39; - 위키리크스한국">
-            <a:extLst>
-              <a:ext uri="{FF2B5EF4-FFF2-40B4-BE49-F238E27FC236}">
-                <a16:creationId xmlns:a16="http://schemas.microsoft.com/office/drawing/2014/main" id="{E2D33970-FE8B-4A0A-AD13-6F0D6F5FB73A}"/>
-              </a:ext>
-            </a:extLst>
-          </p:cNvPr>
-          <p:cNvPicPr>
-            <a:picLocks noChangeAspect="1" noChangeArrowheads="1"/>
-          </p:cNvPicPr>
-          <p:nvPr/>
-        </p:nvPicPr>
-        <p:blipFill>
-          <a:blip r:embed="rId2">
-            <a:extLst>
-              <a:ext uri="{28A0092B-C50C-407E-A947-70E740481C1C}">
-                <a14:useLocalDpi xmlns:a14="http://schemas.microsoft.com/office/drawing/2010/main" val="0"/>
-              </a:ext>
-            </a:extLst>
-          </a:blip>
-          <a:srcRect/>
-          <a:stretch>
-            <a:fillRect/>
-          </a:stretch>
-        </p:blipFill>
-        <p:spPr bwMode="auto">
-          <a:xfrm>
-            <a:off x="3238499" y="95880"/>
-            <a:ext cx="5715000" cy="2219325"/>
-          </a:xfrm>
-          <a:prstGeom prst="rect">
-            <a:avLst/>
-          </a:prstGeom>
-          <a:noFill/>
-          <a:extLst>
-            <a:ext uri="{909E8E84-426E-40DD-AFC4-6F175D3DCCD1}">
-              <a14:hiddenFill xmlns:a14="http://schemas.microsoft.com/office/drawing/2010/main">
-                <a:solidFill>
-                  <a:srgbClr val="FFFFFF"/>
-                </a:solidFill>
-              </a14:hiddenFill>
-            </a:ext>
-          </a:extLst>
-        </p:spPr>
-      </p:pic>
       <p:sp>
         <p:nvSpPr>
           <p:cNvPr id="2" name="name">
@@ -6984,6 +6624,7 @@
           </a:bodyPr>
           <a:lstStyle/>
           <a:p>
+            <a:pPr algn="ctr"/>
             <a:r>
               <a:rPr lang="ko-KR" altLang="en-US" sz="16800" b="1" spc="5000" dirty="0">
                 <a:solidFill>
@@ -7053,10 +6694,34 @@
           </a:p>
         </p:txBody>
       </p:sp>
+      <p:pic>
+        <p:nvPicPr>
+          <p:cNvPr id="9" name="Picture 8" descr="image.jpeg"/>
+          <p:cNvPicPr>
+            <a:picLocks noChangeAspect="1"/>
+          </p:cNvPicPr>
+          <p:nvPr/>
+        </p:nvPicPr>
+        <p:blipFill>
+          <a:blip r:embed="rId2"/>
+          <a:stretch>
+            <a:fillRect/>
+          </a:stretch>
+        </p:blipFill>
+        <p:spPr>
+          <a:xfrm>
+            <a:off x="3238499" y="95880"/>
+            <a:ext cx="5715000" cy="2219325"/>
+          </a:xfrm>
+          <a:prstGeom prst="rect">
+            <a:avLst/>
+          </a:prstGeom>
+        </p:spPr>
+      </p:pic>
     </p:spTree>
     <p:extLst>
       <p:ext uri="{BB962C8B-B14F-4D97-AF65-F5344CB8AC3E}">
-        <p14:creationId xmlns:p14="http://schemas.microsoft.com/office/powerpoint/2010/main" val="2031236678"/>
+        <p14:creationId xmlns:p14="http://schemas.microsoft.com/office/powerpoint/2010/main" val="2029591095"/>
       </p:ext>
     </p:extLst>
   </p:cSld>

--- a/양식1.pptx
+++ b/양식1.pptx
@@ -211,7 +211,7 @@
           <a:p>
             <a:fld id="{19F13344-D54A-4D86-A5D2-FD81DD084F9F}" type="datetimeFigureOut">
               <a:rPr lang="ko-KR" altLang="en-US" smtClean="0"/>
-              <a:t>2022-06-23</a:t>
+              <a:t>2022-06-28</a:t>
             </a:fld>
             <a:endParaRPr lang="ko-KR" altLang="en-US"/>
           </a:p>
@@ -625,7 +625,7 @@
           <a:p>
             <a:fld id="{22AABA13-C4C2-407F-881C-FF016485D499}" type="datetime1">
               <a:rPr lang="ko-KR" altLang="en-US" smtClean="0"/>
-              <a:t>2022-06-23</a:t>
+              <a:t>2022-06-28</a:t>
             </a:fld>
             <a:endParaRPr lang="ko-KR" altLang="en-US"/>
           </a:p>
@@ -823,7 +823,7 @@
           <a:p>
             <a:fld id="{8AC93597-FD44-4047-B60D-64BFDFC9AB07}" type="datetime1">
               <a:rPr lang="ko-KR" altLang="en-US" smtClean="0"/>
-              <a:t>2022-06-23</a:t>
+              <a:t>2022-06-28</a:t>
             </a:fld>
             <a:endParaRPr lang="ko-KR" altLang="en-US"/>
           </a:p>
@@ -1031,7 +1031,7 @@
           <a:p>
             <a:fld id="{D8E00E24-022F-4624-AA34-8D2AEF725D1C}" type="datetime1">
               <a:rPr lang="ko-KR" altLang="en-US" smtClean="0"/>
-              <a:t>2022-06-23</a:t>
+              <a:t>2022-06-28</a:t>
             </a:fld>
             <a:endParaRPr lang="ko-KR" altLang="en-US"/>
           </a:p>
@@ -1229,7 +1229,7 @@
           <a:p>
             <a:fld id="{912C9545-3AFA-49E2-BC82-B75E4BA824F3}" type="datetime1">
               <a:rPr lang="ko-KR" altLang="en-US" smtClean="0"/>
-              <a:t>2022-06-23</a:t>
+              <a:t>2022-06-28</a:t>
             </a:fld>
             <a:endParaRPr lang="ko-KR" altLang="en-US"/>
           </a:p>
@@ -1504,7 +1504,7 @@
           <a:p>
             <a:fld id="{EC8CC216-051A-4DD0-A620-105A76326424}" type="datetime1">
               <a:rPr lang="ko-KR" altLang="en-US" smtClean="0"/>
-              <a:t>2022-06-23</a:t>
+              <a:t>2022-06-28</a:t>
             </a:fld>
             <a:endParaRPr lang="ko-KR" altLang="en-US"/>
           </a:p>
@@ -1769,7 +1769,7 @@
           <a:p>
             <a:fld id="{1512F9A8-1B10-4C2A-942C-2744240A590B}" type="datetime1">
               <a:rPr lang="ko-KR" altLang="en-US" smtClean="0"/>
-              <a:t>2022-06-23</a:t>
+              <a:t>2022-06-28</a:t>
             </a:fld>
             <a:endParaRPr lang="ko-KR" altLang="en-US"/>
           </a:p>
@@ -2181,7 +2181,7 @@
           <a:p>
             <a:fld id="{0A88B85E-2249-4498-94C2-C222D4624F98}" type="datetime1">
               <a:rPr lang="ko-KR" altLang="en-US" smtClean="0"/>
-              <a:t>2022-06-23</a:t>
+              <a:t>2022-06-28</a:t>
             </a:fld>
             <a:endParaRPr lang="ko-KR" altLang="en-US"/>
           </a:p>
@@ -2322,7 +2322,7 @@
           <a:p>
             <a:fld id="{A1964E3E-3AA3-4898-BCA0-E169713F8536}" type="datetime1">
               <a:rPr lang="ko-KR" altLang="en-US" smtClean="0"/>
-              <a:t>2022-06-23</a:t>
+              <a:t>2022-06-28</a:t>
             </a:fld>
             <a:endParaRPr lang="ko-KR" altLang="en-US"/>
           </a:p>
@@ -2435,7 +2435,7 @@
           <a:p>
             <a:fld id="{9D96AE18-149E-4A5A-A0A1-0CEC34EF8C04}" type="datetime1">
               <a:rPr lang="ko-KR" altLang="en-US" smtClean="0"/>
-              <a:t>2022-06-23</a:t>
+              <a:t>2022-06-28</a:t>
             </a:fld>
             <a:endParaRPr lang="ko-KR" altLang="en-US"/>
           </a:p>
@@ -2746,7 +2746,7 @@
           <a:p>
             <a:fld id="{A5B10253-1DB3-444D-AEEF-3EA2D297323B}" type="datetime1">
               <a:rPr lang="ko-KR" altLang="en-US" smtClean="0"/>
-              <a:t>2022-06-23</a:t>
+              <a:t>2022-06-28</a:t>
             </a:fld>
             <a:endParaRPr lang="ko-KR" altLang="en-US"/>
           </a:p>
@@ -3034,7 +3034,7 @@
           <a:p>
             <a:fld id="{08BDEA48-095C-4FAD-82C6-00E50F2A1619}" type="datetime1">
               <a:rPr lang="ko-KR" altLang="en-US" smtClean="0"/>
-              <a:t>2022-06-23</a:t>
+              <a:t>2022-06-28</a:t>
             </a:fld>
             <a:endParaRPr lang="ko-KR" altLang="en-US"/>
           </a:p>
@@ -3275,7 +3275,7 @@
           <a:p>
             <a:fld id="{3411749E-CD33-477B-B369-C97AB55A631D}" type="datetime1">
               <a:rPr lang="ko-KR" altLang="en-US" smtClean="0"/>
-              <a:t>2022-06-23</a:t>
+              <a:t>2022-06-28</a:t>
             </a:fld>
             <a:endParaRPr lang="ko-KR" altLang="en-US"/>
           </a:p>
@@ -3714,7 +3714,7 @@
             <a:avLst/>
           </a:prstGeom>
           <a:solidFill>
-            <a:srgbClr val="1520FF"/>
+            <a:srgbClr val="002060"/>
           </a:solidFill>
           <a:ln>
             <a:noFill/>
@@ -3845,7 +3845,7 @@
       </p:sp>
       <p:pic>
         <p:nvPicPr>
-          <p:cNvPr id="9" name="Picture 8" descr="image.jpeg"/>
+          <p:cNvPr id="9" name="logo" descr="image.jpeg"/>
           <p:cNvPicPr>
             <a:picLocks noChangeAspect="1"/>
           </p:cNvPicPr>
@@ -3913,7 +3913,7 @@
             <a:avLst/>
           </a:prstGeom>
           <a:solidFill>
-            <a:srgbClr val="1520FF"/>
+            <a:srgbClr val="002060"/>
           </a:solidFill>
           <a:ln>
             <a:noFill/>
@@ -4044,7 +4044,7 @@
       </p:sp>
       <p:pic>
         <p:nvPicPr>
-          <p:cNvPr id="9" name="Picture 8" descr="image.jpeg"/>
+          <p:cNvPr id="9" name="logo" descr="image.jpeg"/>
           <p:cNvPicPr>
             <a:picLocks noChangeAspect="1"/>
           </p:cNvPicPr>
@@ -4069,7 +4069,7 @@
     </p:spTree>
     <p:extLst>
       <p:ext uri="{BB962C8B-B14F-4D97-AF65-F5344CB8AC3E}">
-        <p14:creationId xmlns:p14="http://schemas.microsoft.com/office/powerpoint/2010/main" val="2259382357"/>
+        <p14:creationId xmlns:p14="http://schemas.microsoft.com/office/powerpoint/2010/main" val="1183629896"/>
       </p:ext>
     </p:extLst>
   </p:cSld>
@@ -4117,7 +4117,7 @@
             <a:avLst/>
           </a:prstGeom>
           <a:solidFill>
-            <a:srgbClr val="1520FF"/>
+            <a:srgbClr val="002060"/>
           </a:solidFill>
           <a:ln>
             <a:noFill/>
@@ -4248,7 +4248,7 @@
       </p:sp>
       <p:pic>
         <p:nvPicPr>
-          <p:cNvPr id="9" name="Picture 8" descr="image.jpeg"/>
+          <p:cNvPr id="9" name="logo" descr="image.jpeg"/>
           <p:cNvPicPr>
             <a:picLocks noChangeAspect="1"/>
           </p:cNvPicPr>
@@ -4273,7 +4273,7 @@
     </p:spTree>
     <p:extLst>
       <p:ext uri="{BB962C8B-B14F-4D97-AF65-F5344CB8AC3E}">
-        <p14:creationId xmlns:p14="http://schemas.microsoft.com/office/powerpoint/2010/main" val="4250634451"/>
+        <p14:creationId xmlns:p14="http://schemas.microsoft.com/office/powerpoint/2010/main" val="3732168134"/>
       </p:ext>
     </p:extLst>
   </p:cSld>
@@ -4321,7 +4321,7 @@
             <a:avLst/>
           </a:prstGeom>
           <a:solidFill>
-            <a:srgbClr val="1520FF"/>
+            <a:srgbClr val="002060"/>
           </a:solidFill>
           <a:ln>
             <a:noFill/>
@@ -4452,7 +4452,7 @@
       </p:sp>
       <p:pic>
         <p:nvPicPr>
-          <p:cNvPr id="9" name="Picture 8" descr="image.jpeg"/>
+          <p:cNvPr id="9" name="logo" descr="image.jpeg"/>
           <p:cNvPicPr>
             <a:picLocks noChangeAspect="1"/>
           </p:cNvPicPr>
@@ -4477,7 +4477,7 @@
     </p:spTree>
     <p:extLst>
       <p:ext uri="{BB962C8B-B14F-4D97-AF65-F5344CB8AC3E}">
-        <p14:creationId xmlns:p14="http://schemas.microsoft.com/office/powerpoint/2010/main" val="3275257662"/>
+        <p14:creationId xmlns:p14="http://schemas.microsoft.com/office/powerpoint/2010/main" val="1871805096"/>
       </p:ext>
     </p:extLst>
   </p:cSld>
@@ -4525,7 +4525,7 @@
             <a:avLst/>
           </a:prstGeom>
           <a:solidFill>
-            <a:srgbClr val="1520FF"/>
+            <a:srgbClr val="002060"/>
           </a:solidFill>
           <a:ln>
             <a:noFill/>
@@ -4656,7 +4656,7 @@
       </p:sp>
       <p:pic>
         <p:nvPicPr>
-          <p:cNvPr id="9" name="Picture 8" descr="image.jpeg"/>
+          <p:cNvPr id="9" name="logo" descr="image.jpeg"/>
           <p:cNvPicPr>
             <a:picLocks noChangeAspect="1"/>
           </p:cNvPicPr>
@@ -4681,7 +4681,7 @@
     </p:spTree>
     <p:extLst>
       <p:ext uri="{BB962C8B-B14F-4D97-AF65-F5344CB8AC3E}">
-        <p14:creationId xmlns:p14="http://schemas.microsoft.com/office/powerpoint/2010/main" val="3011487988"/>
+        <p14:creationId xmlns:p14="http://schemas.microsoft.com/office/powerpoint/2010/main" val="789312639"/>
       </p:ext>
     </p:extLst>
   </p:cSld>
@@ -4729,7 +4729,7 @@
             <a:avLst/>
           </a:prstGeom>
           <a:solidFill>
-            <a:srgbClr val="1520FF"/>
+            <a:srgbClr val="002060"/>
           </a:solidFill>
           <a:ln>
             <a:noFill/>
@@ -4860,7 +4860,7 @@
       </p:sp>
       <p:pic>
         <p:nvPicPr>
-          <p:cNvPr id="9" name="Picture 8" descr="image.jpeg"/>
+          <p:cNvPr id="9" name="logo" descr="image.jpeg"/>
           <p:cNvPicPr>
             <a:picLocks noChangeAspect="1"/>
           </p:cNvPicPr>
@@ -4885,7 +4885,7 @@
     </p:spTree>
     <p:extLst>
       <p:ext uri="{BB962C8B-B14F-4D97-AF65-F5344CB8AC3E}">
-        <p14:creationId xmlns:p14="http://schemas.microsoft.com/office/powerpoint/2010/main" val="614396915"/>
+        <p14:creationId xmlns:p14="http://schemas.microsoft.com/office/powerpoint/2010/main" val="1305439710"/>
       </p:ext>
     </p:extLst>
   </p:cSld>
@@ -4933,7 +4933,7 @@
             <a:avLst/>
           </a:prstGeom>
           <a:solidFill>
-            <a:srgbClr val="1520FF"/>
+            <a:srgbClr val="002060"/>
           </a:solidFill>
           <a:ln>
             <a:noFill/>
@@ -5064,7 +5064,7 @@
       </p:sp>
       <p:pic>
         <p:nvPicPr>
-          <p:cNvPr id="9" name="Picture 8" descr="image.jpeg"/>
+          <p:cNvPr id="9" name="logo" descr="image.jpeg"/>
           <p:cNvPicPr>
             <a:picLocks noChangeAspect="1"/>
           </p:cNvPicPr>
@@ -5089,7 +5089,7 @@
     </p:spTree>
     <p:extLst>
       <p:ext uri="{BB962C8B-B14F-4D97-AF65-F5344CB8AC3E}">
-        <p14:creationId xmlns:p14="http://schemas.microsoft.com/office/powerpoint/2010/main" val="2929505812"/>
+        <p14:creationId xmlns:p14="http://schemas.microsoft.com/office/powerpoint/2010/main" val="2926061603"/>
       </p:ext>
     </p:extLst>
   </p:cSld>
@@ -5137,7 +5137,7 @@
             <a:avLst/>
           </a:prstGeom>
           <a:solidFill>
-            <a:srgbClr val="1520FF"/>
+            <a:srgbClr val="002060"/>
           </a:solidFill>
           <a:ln>
             <a:noFill/>
@@ -5268,7 +5268,7 @@
       </p:sp>
       <p:pic>
         <p:nvPicPr>
-          <p:cNvPr id="9" name="Picture 8" descr="image.jpeg"/>
+          <p:cNvPr id="9" name="logo" descr="image.jpeg"/>
           <p:cNvPicPr>
             <a:picLocks noChangeAspect="1"/>
           </p:cNvPicPr>
@@ -5293,7 +5293,7 @@
     </p:spTree>
     <p:extLst>
       <p:ext uri="{BB962C8B-B14F-4D97-AF65-F5344CB8AC3E}">
-        <p14:creationId xmlns:p14="http://schemas.microsoft.com/office/powerpoint/2010/main" val="1040072828"/>
+        <p14:creationId xmlns:p14="http://schemas.microsoft.com/office/powerpoint/2010/main" val="2528472721"/>
       </p:ext>
     </p:extLst>
   </p:cSld>
@@ -5341,7 +5341,7 @@
             <a:avLst/>
           </a:prstGeom>
           <a:solidFill>
-            <a:srgbClr val="1520FF"/>
+            <a:srgbClr val="002060"/>
           </a:solidFill>
           <a:ln>
             <a:noFill/>
@@ -5472,7 +5472,7 @@
       </p:sp>
       <p:pic>
         <p:nvPicPr>
-          <p:cNvPr id="9" name="Picture 8" descr="image.jpeg"/>
+          <p:cNvPr id="9" name="logo" descr="image.jpeg"/>
           <p:cNvPicPr>
             <a:picLocks noChangeAspect="1"/>
           </p:cNvPicPr>
@@ -5497,7 +5497,7 @@
     </p:spTree>
     <p:extLst>
       <p:ext uri="{BB962C8B-B14F-4D97-AF65-F5344CB8AC3E}">
-        <p14:creationId xmlns:p14="http://schemas.microsoft.com/office/powerpoint/2010/main" val="4047782208"/>
+        <p14:creationId xmlns:p14="http://schemas.microsoft.com/office/powerpoint/2010/main" val="3844039414"/>
       </p:ext>
     </p:extLst>
   </p:cSld>
@@ -5545,7 +5545,7 @@
             <a:avLst/>
           </a:prstGeom>
           <a:solidFill>
-            <a:srgbClr val="1520FF"/>
+            <a:srgbClr val="002060"/>
           </a:solidFill>
           <a:ln>
             <a:noFill/>
@@ -5676,7 +5676,7 @@
       </p:sp>
       <p:pic>
         <p:nvPicPr>
-          <p:cNvPr id="9" name="Picture 8" descr="image.jpeg"/>
+          <p:cNvPr id="9" name="logo" descr="image.jpeg"/>
           <p:cNvPicPr>
             <a:picLocks noChangeAspect="1"/>
           </p:cNvPicPr>
@@ -5701,7 +5701,7 @@
     </p:spTree>
     <p:extLst>
       <p:ext uri="{BB962C8B-B14F-4D97-AF65-F5344CB8AC3E}">
-        <p14:creationId xmlns:p14="http://schemas.microsoft.com/office/powerpoint/2010/main" val="2492986513"/>
+        <p14:creationId xmlns:p14="http://schemas.microsoft.com/office/powerpoint/2010/main" val="841586885"/>
       </p:ext>
     </p:extLst>
   </p:cSld>
@@ -5749,7 +5749,7 @@
             <a:avLst/>
           </a:prstGeom>
           <a:solidFill>
-            <a:srgbClr val="1520FF"/>
+            <a:srgbClr val="002060"/>
           </a:solidFill>
           <a:ln>
             <a:noFill/>
@@ -5880,7 +5880,7 @@
       </p:sp>
       <p:pic>
         <p:nvPicPr>
-          <p:cNvPr id="9" name="Picture 8" descr="image.jpeg"/>
+          <p:cNvPr id="9" name="logo" descr="image.jpeg"/>
           <p:cNvPicPr>
             <a:picLocks noChangeAspect="1"/>
           </p:cNvPicPr>
@@ -5905,7 +5905,7 @@
     </p:spTree>
     <p:extLst>
       <p:ext uri="{BB962C8B-B14F-4D97-AF65-F5344CB8AC3E}">
-        <p14:creationId xmlns:p14="http://schemas.microsoft.com/office/powerpoint/2010/main" val="1162837149"/>
+        <p14:creationId xmlns:p14="http://schemas.microsoft.com/office/powerpoint/2010/main" val="2391027461"/>
       </p:ext>
     </p:extLst>
   </p:cSld>
@@ -5953,7 +5953,7 @@
             <a:avLst/>
           </a:prstGeom>
           <a:solidFill>
-            <a:srgbClr val="1520FF"/>
+            <a:srgbClr val="002060"/>
           </a:solidFill>
           <a:ln>
             <a:noFill/>
@@ -6084,7 +6084,7 @@
       </p:sp>
       <p:pic>
         <p:nvPicPr>
-          <p:cNvPr id="9" name="Picture 8" descr="image.jpeg"/>
+          <p:cNvPr id="9" name="logo" descr="image.jpeg"/>
           <p:cNvPicPr>
             <a:picLocks noChangeAspect="1"/>
           </p:cNvPicPr>
@@ -6109,7 +6109,7 @@
     </p:spTree>
     <p:extLst>
       <p:ext uri="{BB962C8B-B14F-4D97-AF65-F5344CB8AC3E}">
-        <p14:creationId xmlns:p14="http://schemas.microsoft.com/office/powerpoint/2010/main" val="1815710346"/>
+        <p14:creationId xmlns:p14="http://schemas.microsoft.com/office/powerpoint/2010/main" val="1511759968"/>
       </p:ext>
     </p:extLst>
   </p:cSld>
@@ -6157,7 +6157,7 @@
             <a:avLst/>
           </a:prstGeom>
           <a:solidFill>
-            <a:srgbClr val="1520FF"/>
+            <a:srgbClr val="002060"/>
           </a:solidFill>
           <a:ln>
             <a:noFill/>
@@ -6288,7 +6288,7 @@
       </p:sp>
       <p:pic>
         <p:nvPicPr>
-          <p:cNvPr id="9" name="Picture 8" descr="image.jpeg"/>
+          <p:cNvPr id="9" name="logo" descr="image.jpeg"/>
           <p:cNvPicPr>
             <a:picLocks noChangeAspect="1"/>
           </p:cNvPicPr>
@@ -6313,7 +6313,7 @@
     </p:spTree>
     <p:extLst>
       <p:ext uri="{BB962C8B-B14F-4D97-AF65-F5344CB8AC3E}">
-        <p14:creationId xmlns:p14="http://schemas.microsoft.com/office/powerpoint/2010/main" val="2150988003"/>
+        <p14:creationId xmlns:p14="http://schemas.microsoft.com/office/powerpoint/2010/main" val="3133934676"/>
       </p:ext>
     </p:extLst>
   </p:cSld>
@@ -6361,7 +6361,7 @@
             <a:avLst/>
           </a:prstGeom>
           <a:solidFill>
-            <a:srgbClr val="1520FF"/>
+            <a:srgbClr val="002060"/>
           </a:solidFill>
           <a:ln>
             <a:noFill/>
@@ -6492,7 +6492,7 @@
       </p:sp>
       <p:pic>
         <p:nvPicPr>
-          <p:cNvPr id="9" name="Picture 8" descr="image.jpeg"/>
+          <p:cNvPr id="9" name="logo" descr="image.jpeg"/>
           <p:cNvPicPr>
             <a:picLocks noChangeAspect="1"/>
           </p:cNvPicPr>
@@ -6517,7 +6517,7 @@
     </p:spTree>
     <p:extLst>
       <p:ext uri="{BB962C8B-B14F-4D97-AF65-F5344CB8AC3E}">
-        <p14:creationId xmlns:p14="http://schemas.microsoft.com/office/powerpoint/2010/main" val="3928323673"/>
+        <p14:creationId xmlns:p14="http://schemas.microsoft.com/office/powerpoint/2010/main" val="1262523247"/>
       </p:ext>
     </p:extLst>
   </p:cSld>
@@ -6565,7 +6565,7 @@
             <a:avLst/>
           </a:prstGeom>
           <a:solidFill>
-            <a:srgbClr val="1520FF"/>
+            <a:srgbClr val="002060"/>
           </a:solidFill>
           <a:ln>
             <a:noFill/>
@@ -6696,7 +6696,7 @@
       </p:sp>
       <p:pic>
         <p:nvPicPr>
-          <p:cNvPr id="9" name="Picture 8" descr="image.jpeg"/>
+          <p:cNvPr id="9" name="logo" descr="image.jpeg"/>
           <p:cNvPicPr>
             <a:picLocks noChangeAspect="1"/>
           </p:cNvPicPr>
@@ -6721,7 +6721,7 @@
     </p:spTree>
     <p:extLst>
       <p:ext uri="{BB962C8B-B14F-4D97-AF65-F5344CB8AC3E}">
-        <p14:creationId xmlns:p14="http://schemas.microsoft.com/office/powerpoint/2010/main" val="2029591095"/>
+        <p14:creationId xmlns:p14="http://schemas.microsoft.com/office/powerpoint/2010/main" val="3739047845"/>
       </p:ext>
     </p:extLst>
   </p:cSld>
